--- a/Lecture/Lecture 7/Lecture 7.pptx
+++ b/Lecture/Lecture 7/Lecture 7.pptx
@@ -6,20 +6,24 @@
     <p:sldMasterId id="2147483676" r:id="rId2"/>
   </p:sldMasterIdLst>
   <p:notesMasterIdLst>
-    <p:notesMasterId r:id="rId6"/>
+    <p:notesMasterId r:id="rId10"/>
   </p:notesMasterIdLst>
   <p:handoutMasterIdLst>
-    <p:handoutMasterId r:id="rId7"/>
+    <p:handoutMasterId r:id="rId11"/>
   </p:handoutMasterIdLst>
   <p:sldIdLst>
     <p:sldId id="320" r:id="rId3"/>
-    <p:sldId id="324" r:id="rId4"/>
-    <p:sldId id="329" r:id="rId5"/>
+    <p:sldId id="340" r:id="rId4"/>
+    <p:sldId id="342" r:id="rId5"/>
+    <p:sldId id="341" r:id="rId6"/>
+    <p:sldId id="343" r:id="rId7"/>
+    <p:sldId id="344" r:id="rId8"/>
+    <p:sldId id="329" r:id="rId9"/>
   </p:sldIdLst>
   <p:sldSz cx="9144000" cy="6858000" type="screen4x3"/>
   <p:notesSz cx="6858000" cy="9144000"/>
   <p:custDataLst>
-    <p:tags r:id="rId8"/>
+    <p:tags r:id="rId12"/>
   </p:custDataLst>
   <p:defaultTextStyle>
     <a:defPPr>
@@ -278,7 +282,7 @@
               <a:pPr>
                 <a:defRPr/>
               </a:pPr>
-              <a:t>8/31/2018</a:t>
+              <a:t>9/5/2018</a:t>
             </a:fld>
             <a:endParaRPr lang="en-US" dirty="0"/>
           </a:p>
@@ -490,7 +494,7 @@
               <a:pPr>
                 <a:defRPr/>
               </a:pPr>
-              <a:t>8/31/2018</a:t>
+              <a:t>9/5/2018</a:t>
             </a:fld>
             <a:endParaRPr lang="en-US" dirty="0"/>
           </a:p>
@@ -1009,7 +1013,7 @@
               <a:pPr>
                 <a:defRPr/>
               </a:pPr>
-              <a:t>8/31/2018</a:t>
+              <a:t>9/5/2018</a:t>
             </a:fld>
             <a:endParaRPr lang="en-US" dirty="0"/>
           </a:p>
@@ -1199,7 +1203,7 @@
               <a:pPr>
                 <a:defRPr/>
               </a:pPr>
-              <a:t>8/31/2018</a:t>
+              <a:t>9/5/2018</a:t>
             </a:fld>
             <a:endParaRPr lang="en-US" dirty="0"/>
           </a:p>
@@ -1399,7 +1403,7 @@
               <a:pPr>
                 <a:defRPr/>
               </a:pPr>
-              <a:t>8/31/2018</a:t>
+              <a:t>9/5/2018</a:t>
             </a:fld>
             <a:endParaRPr lang="en-US" dirty="0"/>
           </a:p>
@@ -1667,7 +1671,7 @@
               <a:pPr>
                 <a:defRPr/>
               </a:pPr>
-              <a:t>8/31/2018</a:t>
+              <a:t>9/5/2018</a:t>
             </a:fld>
             <a:endParaRPr lang="en-US" dirty="0">
               <a:solidFill>
@@ -1881,7 +1885,7 @@
               <a:pPr>
                 <a:defRPr/>
               </a:pPr>
-              <a:t>8/31/2018</a:t>
+              <a:t>9/5/2018</a:t>
             </a:fld>
             <a:endParaRPr lang="en-US" dirty="0">
               <a:solidFill>
@@ -2172,7 +2176,7 @@
               <a:pPr>
                 <a:defRPr/>
               </a:pPr>
-              <a:t>8/31/2018</a:t>
+              <a:t>9/5/2018</a:t>
             </a:fld>
             <a:endParaRPr lang="en-US" dirty="0">
               <a:solidFill>
@@ -2503,7 +2507,7 @@
               <a:pPr>
                 <a:defRPr/>
               </a:pPr>
-              <a:t>8/31/2018</a:t>
+              <a:t>9/5/2018</a:t>
             </a:fld>
             <a:endParaRPr lang="en-US" dirty="0">
               <a:solidFill>
@@ -2968,7 +2972,7 @@
               <a:pPr>
                 <a:defRPr/>
               </a:pPr>
-              <a:t>8/31/2018</a:t>
+              <a:t>9/5/2018</a:t>
             </a:fld>
             <a:endParaRPr lang="en-US" dirty="0">
               <a:solidFill>
@@ -3131,7 +3135,7 @@
               <a:pPr>
                 <a:defRPr/>
               </a:pPr>
-              <a:t>8/31/2018</a:t>
+              <a:t>9/5/2018</a:t>
             </a:fld>
             <a:endParaRPr lang="en-US" dirty="0">
               <a:solidFill>
@@ -3272,7 +3276,7 @@
               <a:pPr>
                 <a:defRPr/>
               </a:pPr>
-              <a:t>8/31/2018</a:t>
+              <a:t>9/5/2018</a:t>
             </a:fld>
             <a:endParaRPr lang="en-US" dirty="0">
               <a:solidFill>
@@ -3593,7 +3597,7 @@
               <a:pPr>
                 <a:defRPr/>
               </a:pPr>
-              <a:t>8/31/2018</a:t>
+              <a:t>9/5/2018</a:t>
             </a:fld>
             <a:endParaRPr lang="en-US" dirty="0">
               <a:solidFill>
@@ -3801,7 +3805,7 @@
               <a:pPr>
                 <a:defRPr/>
               </a:pPr>
-              <a:t>8/31/2018</a:t>
+              <a:t>9/5/2018</a:t>
             </a:fld>
             <a:endParaRPr lang="en-US" dirty="0"/>
           </a:p>
@@ -4084,7 +4088,7 @@
               <a:pPr>
                 <a:defRPr/>
               </a:pPr>
-              <a:t>8/31/2018</a:t>
+              <a:t>9/5/2018</a:t>
             </a:fld>
             <a:endParaRPr lang="en-US" dirty="0">
               <a:solidFill>
@@ -4298,7 +4302,7 @@
               <a:pPr>
                 <a:defRPr/>
               </a:pPr>
-              <a:t>8/31/2018</a:t>
+              <a:t>9/5/2018</a:t>
             </a:fld>
             <a:endParaRPr lang="en-US" dirty="0">
               <a:solidFill>
@@ -4522,7 +4526,7 @@
               <a:pPr>
                 <a:defRPr/>
               </a:pPr>
-              <a:t>8/31/2018</a:t>
+              <a:t>9/5/2018</a:t>
             </a:fld>
             <a:endParaRPr lang="en-US" dirty="0">
               <a:solidFill>
@@ -4732,7 +4736,7 @@
               <a:pPr>
                 <a:defRPr/>
               </a:pPr>
-              <a:t>8/31/2018</a:t>
+              <a:t>9/5/2018</a:t>
             </a:fld>
             <a:endParaRPr lang="en-US" dirty="0">
               <a:solidFill>
@@ -5009,7 +5013,7 @@
               <a:pPr>
                 <a:defRPr/>
               </a:pPr>
-              <a:t>8/31/2018</a:t>
+              <a:t>9/5/2018</a:t>
             </a:fld>
             <a:endParaRPr lang="en-US" dirty="0"/>
           </a:p>
@@ -5316,7 +5320,7 @@
               <a:pPr>
                 <a:defRPr/>
               </a:pPr>
-              <a:t>8/31/2018</a:t>
+              <a:t>9/5/2018</a:t>
             </a:fld>
             <a:endParaRPr lang="en-US" dirty="0"/>
           </a:p>
@@ -5757,7 +5761,7 @@
               <a:pPr>
                 <a:defRPr/>
               </a:pPr>
-              <a:t>8/31/2018</a:t>
+              <a:t>9/5/2018</a:t>
             </a:fld>
             <a:endParaRPr lang="en-US" dirty="0"/>
           </a:p>
@@ -5896,7 +5900,7 @@
               <a:pPr>
                 <a:defRPr/>
               </a:pPr>
-              <a:t>8/31/2018</a:t>
+              <a:t>9/5/2018</a:t>
             </a:fld>
             <a:endParaRPr lang="en-US" dirty="0"/>
           </a:p>
@@ -6013,7 +6017,7 @@
               <a:pPr>
                 <a:defRPr/>
               </a:pPr>
-              <a:t>8/31/2018</a:t>
+              <a:t>9/5/2018</a:t>
             </a:fld>
             <a:endParaRPr lang="en-US" dirty="0"/>
           </a:p>
@@ -6310,7 +6314,7 @@
               <a:pPr>
                 <a:defRPr/>
               </a:pPr>
-              <a:t>8/31/2018</a:t>
+              <a:t>9/5/2018</a:t>
             </a:fld>
             <a:endParaRPr lang="en-US" dirty="0"/>
           </a:p>
@@ -6587,7 +6591,7 @@
               <a:pPr>
                 <a:defRPr/>
               </a:pPr>
-              <a:t>8/31/2018</a:t>
+              <a:t>9/5/2018</a:t>
             </a:fld>
             <a:endParaRPr lang="en-US" dirty="0"/>
           </a:p>
@@ -6844,7 +6848,7 @@
               <a:pPr>
                 <a:defRPr/>
               </a:pPr>
-              <a:t>8/31/2018</a:t>
+              <a:t>9/5/2018</a:t>
             </a:fld>
             <a:endParaRPr lang="en-US" dirty="0"/>
           </a:p>
@@ -7554,7 +7558,7 @@
               <a:pPr>
                 <a:defRPr/>
               </a:pPr>
-              <a:t>8/31/2018</a:t>
+              <a:t>9/5/2018</a:t>
             </a:fld>
             <a:endParaRPr lang="en-US" dirty="0">
               <a:solidFill>
@@ -8135,8 +8139,8 @@
         </p:nvSpPr>
         <p:spPr>
           <a:xfrm>
-            <a:off x="4114800" y="2971800"/>
-            <a:ext cx="4971614" cy="1625073"/>
+            <a:off x="3836894" y="3200400"/>
+            <a:ext cx="5334000" cy="1625073"/>
           </a:xfrm>
         </p:spPr>
         <p:txBody>
@@ -8155,7 +8159,7 @@
                 <a:ea typeface="+mj-ea"/>
                 <a:cs typeface="+mj-cs"/>
               </a:rPr>
-              <a:t>Data Transformation II</a:t>
+              <a:t>Data Transformation IV</a:t>
             </a:r>
           </a:p>
         </p:txBody>
@@ -8524,8 +8528,37 @@
           <a:bodyPr rtlCol="0" anchor="ctr"/>
           <a:lstStyle/>
           <a:p>
-            <a:pPr algn="ctr"/>
-            <a:endParaRPr lang="en-US"/>
+            <a:pPr marL="0" marR="0" lvl="0" indent="0" algn="ctr" defTabSz="457200" rtl="0" eaLnBrk="1" fontAlgn="base" latinLnBrk="0" hangingPunct="1">
+              <a:lnSpc>
+                <a:spcPct val="100000"/>
+              </a:lnSpc>
+              <a:spcBef>
+                <a:spcPct val="0"/>
+              </a:spcBef>
+              <a:spcAft>
+                <a:spcPct val="0"/>
+              </a:spcAft>
+              <a:buClrTx/>
+              <a:buSzTx/>
+              <a:buFontTx/>
+              <a:buNone/>
+              <a:tabLst/>
+              <a:defRPr/>
+            </a:pPr>
+            <a:endParaRPr kumimoji="0" lang="en-US" sz="2400" b="0" i="0" u="none" strike="noStrike" kern="1200" cap="none" spc="0" normalizeH="0" baseline="0" noProof="0">
+              <a:ln>
+                <a:noFill/>
+              </a:ln>
+              <a:solidFill>
+                <a:prstClr val="white"/>
+              </a:solidFill>
+              <a:effectLst/>
+              <a:uLnTx/>
+              <a:uFillTx/>
+              <a:latin typeface="Calibri"/>
+              <a:ea typeface="+mn-ea"/>
+              <a:cs typeface="+mn-cs"/>
+            </a:endParaRPr>
           </a:p>
         </p:txBody>
       </p:sp>
@@ -8563,16 +8596,23 @@
               </a:lnSpc>
             </a:pPr>
             <a:r>
-              <a:rPr lang="en-US" sz="2400" kern="1200" dirty="0">
+              <a:rPr lang="en-US" sz="2400" dirty="0">
                 <a:solidFill>
                   <a:schemeClr val="bg1"/>
                 </a:solidFill>
-                <a:latin typeface="+mj-lt"/>
                 <a:ea typeface="+mj-ea"/>
                 <a:cs typeface="+mj-cs"/>
               </a:rPr>
-              <a:t>Data Transformation II Info</a:t>
-            </a:r>
+              <a:t>Case Study</a:t>
+            </a:r>
+            <a:endParaRPr lang="en-US" sz="2400" kern="1200" dirty="0">
+              <a:solidFill>
+                <a:schemeClr val="bg1"/>
+              </a:solidFill>
+              <a:latin typeface="+mj-lt"/>
+              <a:ea typeface="+mj-ea"/>
+              <a:cs typeface="+mj-cs"/>
+            </a:endParaRPr>
           </a:p>
         </p:txBody>
       </p:sp>
@@ -8621,7 +8661,7 @@
         <p:spPr>
           <a:xfrm>
             <a:off x="3810000" y="643467"/>
-            <a:ext cx="4953000" cy="6001643"/>
+            <a:ext cx="4953000" cy="461665"/>
           </a:xfrm>
           <a:prstGeom prst="rect">
             <a:avLst/>
@@ -8634,230 +8674,1536 @@
           </a:bodyPr>
           <a:lstStyle/>
           <a:p>
-            <a:pPr marL="342900" indent="-342900">
+            <a:pPr marL="342900" marR="0" lvl="0" indent="-342900" algn="l" defTabSz="457200" rtl="0" eaLnBrk="1" fontAlgn="base" latinLnBrk="0" hangingPunct="1">
+              <a:lnSpc>
+                <a:spcPct val="100000"/>
+              </a:lnSpc>
+              <a:spcBef>
+                <a:spcPct val="0"/>
+              </a:spcBef>
+              <a:spcAft>
+                <a:spcPct val="0"/>
+              </a:spcAft>
+              <a:buClrTx/>
+              <a:buSzTx/>
               <a:buFont typeface="Arial" panose="020B0604020202020204" pitchFamily="34" charset="0"/>
               <a:buChar char="•"/>
+              <a:tabLst/>
+              <a:defRPr/>
             </a:pPr>
-            <a:r>
-              <a:rPr lang="en-US" dirty="0">
-                <a:solidFill>
-                  <a:srgbClr val="404040"/>
-                </a:solidFill>
-              </a:rPr>
-              <a:t>Tutorial 3</a:t>
-            </a:r>
-          </a:p>
-          <a:p>
-            <a:pPr marL="800100" lvl="1" indent="-342900">
-              <a:buFont typeface="Arial" panose="020B0604020202020204" pitchFamily="34" charset="0"/>
-              <a:buChar char="•"/>
-            </a:pPr>
-            <a:r>
-              <a:rPr lang="en-US" dirty="0">
-                <a:solidFill>
-                  <a:srgbClr val="404040"/>
-                </a:solidFill>
-              </a:rPr>
-              <a:t>Practice</a:t>
-            </a:r>
-          </a:p>
-          <a:p>
-            <a:pPr marL="1257300" lvl="2" indent="-342900">
-              <a:buFont typeface="Arial" panose="020B0604020202020204" pitchFamily="34" charset="0"/>
-              <a:buChar char="•"/>
-            </a:pPr>
-            <a:r>
-              <a:rPr lang="en-US" dirty="0">
-                <a:solidFill>
-                  <a:srgbClr val="404040"/>
-                </a:solidFill>
-              </a:rPr>
-              <a:t>filter()</a:t>
-            </a:r>
-          </a:p>
-          <a:p>
-            <a:pPr marL="1257300" lvl="2" indent="-342900">
-              <a:buFont typeface="Arial" panose="020B0604020202020204" pitchFamily="34" charset="0"/>
-              <a:buChar char="•"/>
-            </a:pPr>
-            <a:r>
-              <a:rPr lang="en-US" dirty="0">
-                <a:solidFill>
-                  <a:srgbClr val="404040"/>
-                </a:solidFill>
-              </a:rPr>
-              <a:t>arrange()</a:t>
-            </a:r>
-          </a:p>
-          <a:p>
-            <a:pPr marL="1257300" lvl="2" indent="-342900">
-              <a:buFont typeface="Arial" panose="020B0604020202020204" pitchFamily="34" charset="0"/>
-              <a:buChar char="•"/>
-            </a:pPr>
-            <a:r>
-              <a:rPr lang="en-US" dirty="0">
-                <a:solidFill>
-                  <a:srgbClr val="404040"/>
-                </a:solidFill>
-              </a:rPr>
-              <a:t>select()</a:t>
-            </a:r>
-          </a:p>
-          <a:p>
-            <a:pPr marL="1257300" lvl="2" indent="-342900">
-              <a:buFont typeface="Arial" panose="020B0604020202020204" pitchFamily="34" charset="0"/>
-              <a:buChar char="•"/>
-            </a:pPr>
-            <a:r>
-              <a:rPr lang="en-US" dirty="0">
-                <a:solidFill>
-                  <a:srgbClr val="404040"/>
-                </a:solidFill>
-              </a:rPr>
-              <a:t>mutate()</a:t>
-            </a:r>
-          </a:p>
-          <a:p>
-            <a:pPr marL="800100" lvl="1" indent="-342900">
-              <a:buFont typeface="Arial" panose="020B0604020202020204" pitchFamily="34" charset="0"/>
-              <a:buChar char="•"/>
-            </a:pPr>
-            <a:endParaRPr lang="en-US" dirty="0">
+            <a:endParaRPr kumimoji="0" lang="en-US" sz="2400" b="0" i="0" u="none" strike="noStrike" kern="1200" cap="none" spc="0" normalizeH="0" baseline="0" noProof="0" dirty="0">
+              <a:ln>
+                <a:noFill/>
+              </a:ln>
               <a:solidFill>
                 <a:srgbClr val="404040"/>
               </a:solidFill>
+              <a:effectLst/>
+              <a:uLnTx/>
+              <a:uFillTx/>
+              <a:latin typeface="Arial" charset="0"/>
+              <a:ea typeface="ＭＳ Ｐゴシック" charset="-128"/>
             </a:endParaRPr>
           </a:p>
-          <a:p>
-            <a:pPr marL="800100" lvl="1" indent="-342900">
-              <a:buFont typeface="Arial" panose="020B0604020202020204" pitchFamily="34" charset="0"/>
-              <a:buChar char="•"/>
-            </a:pPr>
-            <a:r>
-              <a:rPr lang="en-US" dirty="0">
-                <a:solidFill>
-                  <a:srgbClr val="404040"/>
-                </a:solidFill>
-              </a:rPr>
-              <a:t>Introduced</a:t>
-            </a:r>
-          </a:p>
-          <a:p>
-            <a:pPr marL="1257300" lvl="2" indent="-342900">
-              <a:buFont typeface="Arial" panose="020B0604020202020204" pitchFamily="34" charset="0"/>
-              <a:buChar char="•"/>
-            </a:pPr>
-            <a:r>
-              <a:rPr lang="en-US" dirty="0">
-                <a:solidFill>
-                  <a:srgbClr val="404040"/>
-                </a:solidFill>
-              </a:rPr>
-              <a:t>Piping %&gt;%</a:t>
-            </a:r>
-          </a:p>
-          <a:p>
-            <a:pPr marL="1257300" lvl="2" indent="-342900">
-              <a:buFont typeface="Arial" panose="020B0604020202020204" pitchFamily="34" charset="0"/>
-              <a:buChar char="•"/>
-            </a:pPr>
-            <a:r>
-              <a:rPr lang="en-US" dirty="0" err="1">
-                <a:solidFill>
-                  <a:srgbClr val="404040"/>
-                </a:solidFill>
-              </a:rPr>
-              <a:t>group_by</a:t>
-            </a:r>
-            <a:r>
-              <a:rPr lang="en-US" dirty="0">
-                <a:solidFill>
-                  <a:srgbClr val="404040"/>
-                </a:solidFill>
-              </a:rPr>
-              <a:t>()</a:t>
-            </a:r>
-          </a:p>
-          <a:p>
-            <a:pPr marL="1257300" lvl="2" indent="-342900">
-              <a:buFont typeface="Arial" panose="020B0604020202020204" pitchFamily="34" charset="0"/>
-              <a:buChar char="•"/>
-            </a:pPr>
-            <a:r>
-              <a:rPr lang="en-US" dirty="0">
-                <a:solidFill>
-                  <a:srgbClr val="404040"/>
-                </a:solidFill>
-              </a:rPr>
-              <a:t>summarize()</a:t>
-            </a:r>
-          </a:p>
-          <a:p>
-            <a:pPr marL="1257300" lvl="2" indent="-342900">
-              <a:buFont typeface="Arial" panose="020B0604020202020204" pitchFamily="34" charset="0"/>
-              <a:buChar char="•"/>
-            </a:pPr>
-            <a:endParaRPr lang="en-US" dirty="0">
-              <a:solidFill>
-                <a:srgbClr val="404040"/>
-              </a:solidFill>
-            </a:endParaRPr>
-          </a:p>
-          <a:p>
-            <a:pPr marL="342900" indent="-342900">
-              <a:buFont typeface="Arial" panose="020B0604020202020204" pitchFamily="34" charset="0"/>
-              <a:buChar char="•"/>
-            </a:pPr>
-            <a:r>
-              <a:rPr lang="en-US" dirty="0">
-                <a:solidFill>
-                  <a:srgbClr val="404040"/>
-                </a:solidFill>
-              </a:rPr>
-              <a:t>Chain of Command</a:t>
-            </a:r>
-          </a:p>
-          <a:p>
-            <a:pPr marL="342900" indent="-342900">
-              <a:buFont typeface="Arial" panose="020B0604020202020204" pitchFamily="34" charset="0"/>
-              <a:buChar char="•"/>
-            </a:pPr>
-            <a:endParaRPr lang="en-US" dirty="0">
-              <a:solidFill>
-                <a:srgbClr val="404040"/>
-              </a:solidFill>
-            </a:endParaRPr>
-          </a:p>
-          <a:p>
-            <a:r>
-              <a:rPr lang="en-US" dirty="0">
-                <a:solidFill>
-                  <a:srgbClr val="404040"/>
-                </a:solidFill>
-              </a:rPr>
-              <a:t>	Google -&gt; Friend -&gt; Instructor</a:t>
-            </a:r>
-          </a:p>
-          <a:p>
-            <a:pPr marL="342900" indent="-342900">
-              <a:buFont typeface="Arial" panose="020B0604020202020204" pitchFamily="34" charset="0"/>
-              <a:buChar char="•"/>
-            </a:pPr>
-            <a:endParaRPr lang="en-US" dirty="0">
-              <a:solidFill>
-                <a:srgbClr val="404040"/>
-              </a:solidFill>
-            </a:endParaRPr>
-          </a:p>
-        </p:txBody>
-      </p:sp>
+        </p:txBody>
+      </p:sp>
+      <mc:AlternateContent xmlns:mc="http://schemas.openxmlformats.org/markup-compatibility/2006" xmlns:a14="http://schemas.microsoft.com/office/drawing/2010/main">
+        <mc:Choice Requires="a14">
+          <p:sp>
+            <p:nvSpPr>
+              <p:cNvPr id="6" name="TextBox 5">
+                <a:extLst>
+                  <a:ext uri="{FF2B5EF4-FFF2-40B4-BE49-F238E27FC236}">
+                    <a16:creationId xmlns:a16="http://schemas.microsoft.com/office/drawing/2014/main" id="{E828729A-F29C-423D-B49F-097B379344C5}"/>
+                  </a:ext>
+                </a:extLst>
+              </p:cNvPr>
+              <p:cNvSpPr txBox="1"/>
+              <p:nvPr/>
+            </p:nvSpPr>
+            <p:spPr>
+              <a:xfrm>
+                <a:off x="4129278" y="548634"/>
+                <a:ext cx="4953000" cy="5755743"/>
+              </a:xfrm>
+              <a:prstGeom prst="rect">
+                <a:avLst/>
+              </a:prstGeom>
+              <a:noFill/>
+            </p:spPr>
+            <p:txBody>
+              <a:bodyPr wrap="square" rtlCol="0">
+                <a:spAutoFit/>
+              </a:bodyPr>
+              <a:lstStyle/>
+              <a:p>
+                <a:pPr marL="342900" marR="0" lvl="0" indent="-342900" algn="l" defTabSz="457200" rtl="0" eaLnBrk="1" fontAlgn="base" latinLnBrk="0" hangingPunct="1">
+                  <a:lnSpc>
+                    <a:spcPct val="100000"/>
+                  </a:lnSpc>
+                  <a:spcBef>
+                    <a:spcPct val="0"/>
+                  </a:spcBef>
+                  <a:spcAft>
+                    <a:spcPct val="0"/>
+                  </a:spcAft>
+                  <a:buClrTx/>
+                  <a:buSzTx/>
+                  <a:buFont typeface="Arial" panose="020B0604020202020204" pitchFamily="34" charset="0"/>
+                  <a:buChar char="•"/>
+                  <a:tabLst/>
+                  <a:defRPr/>
+                </a:pPr>
+                <a:r>
+                  <a:rPr kumimoji="0" lang="en-US" sz="2400" b="0" i="0" u="none" strike="noStrike" kern="1200" cap="none" spc="0" normalizeH="0" baseline="0" noProof="0" dirty="0">
+                    <a:ln>
+                      <a:noFill/>
+                    </a:ln>
+                    <a:solidFill>
+                      <a:srgbClr val="404040"/>
+                    </a:solidFill>
+                    <a:effectLst/>
+                    <a:uLnTx/>
+                    <a:uFillTx/>
+                    <a:latin typeface="Arial" charset="0"/>
+                    <a:ea typeface="ＭＳ Ｐゴシック" charset="-128"/>
+                  </a:rPr>
+                  <a:t>Flight Accuracy</a:t>
+                </a:r>
+              </a:p>
+              <a:p>
+                <a:pPr marL="457200" marR="0" lvl="1" indent="0" algn="l" defTabSz="457200" rtl="0" eaLnBrk="1" fontAlgn="base" latinLnBrk="0" hangingPunct="1">
+                  <a:lnSpc>
+                    <a:spcPct val="100000"/>
+                  </a:lnSpc>
+                  <a:spcBef>
+                    <a:spcPct val="0"/>
+                  </a:spcBef>
+                  <a:spcAft>
+                    <a:spcPct val="0"/>
+                  </a:spcAft>
+                  <a:buClrTx/>
+                  <a:buSzTx/>
+                  <a:buFontTx/>
+                  <a:buNone/>
+                  <a:tabLst/>
+                  <a:defRPr/>
+                </a:pPr>
+                <a:endParaRPr kumimoji="0" lang="en-US" sz="2400" b="0" i="0" u="none" strike="noStrike" kern="1200" cap="none" spc="0" normalizeH="0" baseline="0" noProof="0" dirty="0">
+                  <a:ln>
+                    <a:noFill/>
+                  </a:ln>
+                  <a:solidFill>
+                    <a:srgbClr val="404040"/>
+                  </a:solidFill>
+                  <a:effectLst/>
+                  <a:uLnTx/>
+                  <a:uFillTx/>
+                  <a:latin typeface="Arial" charset="0"/>
+                  <a:ea typeface="ＭＳ Ｐゴシック" charset="-128"/>
+                </a:endParaRPr>
+              </a:p>
+              <a:p>
+                <a:pPr marL="800100" marR="0" lvl="1" indent="-342900" algn="l" defTabSz="457200" rtl="0" eaLnBrk="1" fontAlgn="base" latinLnBrk="0" hangingPunct="1">
+                  <a:lnSpc>
+                    <a:spcPct val="100000"/>
+                  </a:lnSpc>
+                  <a:spcBef>
+                    <a:spcPct val="0"/>
+                  </a:spcBef>
+                  <a:spcAft>
+                    <a:spcPct val="0"/>
+                  </a:spcAft>
+                  <a:buClrTx/>
+                  <a:buSzTx/>
+                  <a:buFont typeface="Arial" panose="020B0604020202020204" pitchFamily="34" charset="0"/>
+                  <a:buChar char="•"/>
+                  <a:tabLst/>
+                  <a:defRPr/>
+                </a:pPr>
+                <a:r>
+                  <a:rPr kumimoji="0" lang="en-US" sz="2400" b="0" i="0" u="none" strike="noStrike" kern="1200" cap="none" spc="0" normalizeH="0" baseline="0" noProof="0" dirty="0">
+                    <a:ln>
+                      <a:noFill/>
+                    </a:ln>
+                    <a:solidFill>
+                      <a:srgbClr val="404040"/>
+                    </a:solidFill>
+                    <a:effectLst/>
+                    <a:uLnTx/>
+                    <a:uFillTx/>
+                    <a:latin typeface="Arial" charset="0"/>
+                    <a:ea typeface="ＭＳ Ｐゴシック" charset="-128"/>
+                  </a:rPr>
+                  <a:t>Accurate Flight Means</a:t>
+                </a:r>
+              </a:p>
+              <a:p>
+                <a:pPr marL="1257300" marR="0" lvl="2" indent="-342900" algn="l" defTabSz="457200" rtl="0" eaLnBrk="1" fontAlgn="base" latinLnBrk="0" hangingPunct="1">
+                  <a:lnSpc>
+                    <a:spcPct val="100000"/>
+                  </a:lnSpc>
+                  <a:spcBef>
+                    <a:spcPct val="0"/>
+                  </a:spcBef>
+                  <a:spcAft>
+                    <a:spcPct val="0"/>
+                  </a:spcAft>
+                  <a:buClrTx/>
+                  <a:buSzTx/>
+                  <a:buFont typeface="Arial" panose="020B0604020202020204" pitchFamily="34" charset="0"/>
+                  <a:buChar char="•"/>
+                  <a:tabLst/>
+                  <a:defRPr/>
+                </a:pPr>
+                <a:r>
+                  <a:rPr kumimoji="0" lang="en-US" sz="2400" b="0" i="0" u="none" strike="noStrike" kern="1200" cap="none" spc="0" normalizeH="0" baseline="0" noProof="0" dirty="0">
+                    <a:ln>
+                      <a:noFill/>
+                    </a:ln>
+                    <a:solidFill>
+                      <a:srgbClr val="404040"/>
+                    </a:solidFill>
+                    <a:effectLst/>
+                    <a:uLnTx/>
+                    <a:uFillTx/>
+                    <a:latin typeface="Arial" charset="0"/>
+                    <a:ea typeface="ＭＳ Ｐゴシック" charset="-128"/>
+                  </a:rPr>
+                  <a:t>Departure Delay = 0</a:t>
+                </a:r>
+              </a:p>
+              <a:p>
+                <a:pPr marL="1257300" marR="0" lvl="2" indent="-342900" algn="l" defTabSz="457200" rtl="0" eaLnBrk="1" fontAlgn="base" latinLnBrk="0" hangingPunct="1">
+                  <a:lnSpc>
+                    <a:spcPct val="100000"/>
+                  </a:lnSpc>
+                  <a:spcBef>
+                    <a:spcPct val="0"/>
+                  </a:spcBef>
+                  <a:spcAft>
+                    <a:spcPct val="0"/>
+                  </a:spcAft>
+                  <a:buClrTx/>
+                  <a:buSzTx/>
+                  <a:buFont typeface="Arial" panose="020B0604020202020204" pitchFamily="34" charset="0"/>
+                  <a:buChar char="•"/>
+                  <a:tabLst/>
+                  <a:defRPr/>
+                </a:pPr>
+                <a:r>
+                  <a:rPr kumimoji="0" lang="en-US" sz="2400" b="0" i="0" u="none" strike="noStrike" kern="1200" cap="none" spc="0" normalizeH="0" baseline="0" noProof="0" dirty="0">
+                    <a:ln>
+                      <a:noFill/>
+                    </a:ln>
+                    <a:solidFill>
+                      <a:srgbClr val="404040"/>
+                    </a:solidFill>
+                    <a:effectLst/>
+                    <a:uLnTx/>
+                    <a:uFillTx/>
+                    <a:latin typeface="Arial" charset="0"/>
+                    <a:ea typeface="ＭＳ Ｐゴシック" charset="-128"/>
+                  </a:rPr>
+                  <a:t>Arrival Delay = 0</a:t>
+                </a:r>
+              </a:p>
+              <a:p>
+                <a:pPr marL="1257300" marR="0" lvl="2" indent="-342900" algn="l" defTabSz="457200" rtl="0" eaLnBrk="1" fontAlgn="base" latinLnBrk="0" hangingPunct="1">
+                  <a:lnSpc>
+                    <a:spcPct val="100000"/>
+                  </a:lnSpc>
+                  <a:spcBef>
+                    <a:spcPct val="0"/>
+                  </a:spcBef>
+                  <a:spcAft>
+                    <a:spcPct val="0"/>
+                  </a:spcAft>
+                  <a:buClrTx/>
+                  <a:buSzTx/>
+                  <a:buFont typeface="Arial" panose="020B0604020202020204" pitchFamily="34" charset="0"/>
+                  <a:buChar char="•"/>
+                  <a:tabLst/>
+                  <a:defRPr/>
+                </a:pPr>
+                <a:endParaRPr kumimoji="0" lang="en-US" sz="2400" b="0" i="0" u="none" strike="noStrike" kern="1200" cap="none" spc="0" normalizeH="0" baseline="0" noProof="0" dirty="0">
+                  <a:ln>
+                    <a:noFill/>
+                  </a:ln>
+                  <a:solidFill>
+                    <a:srgbClr val="404040"/>
+                  </a:solidFill>
+                  <a:effectLst/>
+                  <a:uLnTx/>
+                  <a:uFillTx/>
+                  <a:latin typeface="Arial" charset="0"/>
+                  <a:ea typeface="ＭＳ Ｐゴシック" charset="-128"/>
+                </a:endParaRPr>
+              </a:p>
+              <a:p>
+                <a:pPr marL="800100" marR="0" lvl="1" indent="-342900" algn="l" defTabSz="457200" rtl="0" eaLnBrk="1" fontAlgn="base" latinLnBrk="0" hangingPunct="1">
+                  <a:lnSpc>
+                    <a:spcPct val="100000"/>
+                  </a:lnSpc>
+                  <a:spcBef>
+                    <a:spcPct val="0"/>
+                  </a:spcBef>
+                  <a:spcAft>
+                    <a:spcPct val="0"/>
+                  </a:spcAft>
+                  <a:buClrTx/>
+                  <a:buSzTx/>
+                  <a:buFont typeface="Arial" panose="020B0604020202020204" pitchFamily="34" charset="0"/>
+                  <a:buChar char="•"/>
+                  <a:tabLst/>
+                  <a:defRPr/>
+                </a:pPr>
+                <a:r>
+                  <a:rPr kumimoji="0" lang="en-US" sz="2400" b="0" i="0" u="none" strike="noStrike" kern="1200" cap="none" spc="0" normalizeH="0" baseline="0" noProof="0" dirty="0">
+                    <a:ln>
+                      <a:noFill/>
+                    </a:ln>
+                    <a:solidFill>
+                      <a:srgbClr val="404040"/>
+                    </a:solidFill>
+                    <a:effectLst/>
+                    <a:uLnTx/>
+                    <a:uFillTx/>
+                    <a:latin typeface="Arial" charset="0"/>
+                    <a:ea typeface="ＭＳ Ｐゴシック" charset="-128"/>
+                  </a:rPr>
+                  <a:t>Bad Metric</a:t>
+                </a:r>
+              </a:p>
+              <a:p>
+                <a:pPr marL="457200" marR="0" lvl="1" indent="0" algn="l" defTabSz="457200" rtl="0" eaLnBrk="1" fontAlgn="base" latinLnBrk="0" hangingPunct="1">
+                  <a:lnSpc>
+                    <a:spcPct val="100000"/>
+                  </a:lnSpc>
+                  <a:spcBef>
+                    <a:spcPct val="0"/>
+                  </a:spcBef>
+                  <a:spcAft>
+                    <a:spcPct val="0"/>
+                  </a:spcAft>
+                  <a:buClrTx/>
+                  <a:buSzTx/>
+                  <a:buFontTx/>
+                  <a:buNone/>
+                  <a:tabLst/>
+                  <a:defRPr/>
+                </a:pPr>
+                <a:r>
+                  <a:rPr kumimoji="0" lang="en-US" sz="2400" b="0" i="0" u="none" strike="noStrike" kern="1200" cap="none" spc="0" normalizeH="0" baseline="0" noProof="0" dirty="0">
+                    <a:ln>
+                      <a:noFill/>
+                    </a:ln>
+                    <a:solidFill>
+                      <a:srgbClr val="404040"/>
+                    </a:solidFill>
+                    <a:effectLst/>
+                    <a:uLnTx/>
+                    <a:uFillTx/>
+                    <a:latin typeface="Arial" charset="0"/>
+                    <a:ea typeface="ＭＳ Ｐゴシック" charset="-128"/>
+                  </a:rPr>
+                  <a:t>	</a:t>
+                </a:r>
+                <a14:m>
+                  <m:oMath xmlns:m="http://schemas.openxmlformats.org/officeDocument/2006/math">
+                    <m:r>
+                      <a:rPr kumimoji="0" lang="en-US" sz="1800" b="0" i="1" u="none" strike="noStrike" kern="1200" cap="none" spc="0" normalizeH="0" baseline="0" noProof="0" smtClean="0">
+                        <a:ln>
+                          <a:noFill/>
+                        </a:ln>
+                        <a:solidFill>
+                          <a:srgbClr val="404040"/>
+                        </a:solidFill>
+                        <a:effectLst/>
+                        <a:uLnTx/>
+                        <a:uFillTx/>
+                        <a:latin typeface="Cambria Math" panose="02040503050406030204" pitchFamily="18" charset="0"/>
+                      </a:rPr>
+                      <m:t>𝐴𝑐𝑐𝑢𝑟𝑎𝑐𝑦</m:t>
+                    </m:r>
+                    <m:r>
+                      <a:rPr kumimoji="0" lang="en-US" sz="1800" b="0" i="1" u="none" strike="noStrike" kern="1200" cap="none" spc="0" normalizeH="0" baseline="0" noProof="0" smtClean="0">
+                        <a:ln>
+                          <a:noFill/>
+                        </a:ln>
+                        <a:solidFill>
+                          <a:srgbClr val="404040"/>
+                        </a:solidFill>
+                        <a:effectLst/>
+                        <a:uLnTx/>
+                        <a:uFillTx/>
+                        <a:latin typeface="Cambria Math" panose="02040503050406030204" pitchFamily="18" charset="0"/>
+                      </a:rPr>
+                      <m:t>=</m:t>
+                    </m:r>
+                    <m:r>
+                      <a:rPr kumimoji="0" lang="en-US" sz="1800" b="0" i="1" u="none" strike="noStrike" kern="1200" cap="none" spc="0" normalizeH="0" baseline="0" noProof="0" smtClean="0">
+                        <a:ln>
+                          <a:noFill/>
+                        </a:ln>
+                        <a:solidFill>
+                          <a:srgbClr val="404040"/>
+                        </a:solidFill>
+                        <a:effectLst/>
+                        <a:uLnTx/>
+                        <a:uFillTx/>
+                        <a:latin typeface="Cambria Math" panose="02040503050406030204" pitchFamily="18" charset="0"/>
+                      </a:rPr>
+                      <m:t>𝑑𝑒𝑙𝑎</m:t>
+                    </m:r>
+                    <m:sSub>
+                      <m:sSubPr>
+                        <m:ctrlPr>
+                          <a:rPr kumimoji="0" lang="en-US" sz="1800" b="0" i="1" u="none" strike="noStrike" kern="1200" cap="none" spc="0" normalizeH="0" baseline="0" noProof="0" smtClean="0">
+                            <a:ln>
+                              <a:noFill/>
+                            </a:ln>
+                            <a:solidFill>
+                              <a:srgbClr val="404040"/>
+                            </a:solidFill>
+                            <a:effectLst/>
+                            <a:uLnTx/>
+                            <a:uFillTx/>
+                            <a:latin typeface="Cambria Math" panose="02040503050406030204" pitchFamily="18" charset="0"/>
+                          </a:rPr>
+                        </m:ctrlPr>
+                      </m:sSubPr>
+                      <m:e>
+                        <m:r>
+                          <a:rPr kumimoji="0" lang="en-US" sz="1800" b="0" i="1" u="none" strike="noStrike" kern="1200" cap="none" spc="0" normalizeH="0" baseline="0" noProof="0" smtClean="0">
+                            <a:ln>
+                              <a:noFill/>
+                            </a:ln>
+                            <a:solidFill>
+                              <a:srgbClr val="404040"/>
+                            </a:solidFill>
+                            <a:effectLst/>
+                            <a:uLnTx/>
+                            <a:uFillTx/>
+                            <a:latin typeface="Cambria Math" panose="02040503050406030204" pitchFamily="18" charset="0"/>
+                          </a:rPr>
+                          <m:t>𝑦</m:t>
+                        </m:r>
+                      </m:e>
+                      <m:sub>
+                        <m:r>
+                          <a:rPr kumimoji="0" lang="en-US" sz="1800" b="0" i="1" u="none" strike="noStrike" kern="1200" cap="none" spc="0" normalizeH="0" baseline="0" noProof="0" smtClean="0">
+                            <a:ln>
+                              <a:noFill/>
+                            </a:ln>
+                            <a:solidFill>
+                              <a:srgbClr val="404040"/>
+                            </a:solidFill>
+                            <a:effectLst/>
+                            <a:uLnTx/>
+                            <a:uFillTx/>
+                            <a:latin typeface="Cambria Math" panose="02040503050406030204" pitchFamily="18" charset="0"/>
+                          </a:rPr>
+                          <m:t>𝑑𝑒𝑝</m:t>
+                        </m:r>
+                      </m:sub>
+                    </m:sSub>
+                    <m:r>
+                      <a:rPr kumimoji="0" lang="en-US" sz="1800" b="0" i="1" u="none" strike="noStrike" kern="1200" cap="none" spc="0" normalizeH="0" baseline="0" noProof="0" smtClean="0">
+                        <a:ln>
+                          <a:noFill/>
+                        </a:ln>
+                        <a:solidFill>
+                          <a:srgbClr val="404040"/>
+                        </a:solidFill>
+                        <a:effectLst/>
+                        <a:uLnTx/>
+                        <a:uFillTx/>
+                        <a:latin typeface="Cambria Math" panose="02040503050406030204" pitchFamily="18" charset="0"/>
+                      </a:rPr>
+                      <m:t>+</m:t>
+                    </m:r>
+                    <m:r>
+                      <a:rPr kumimoji="0" lang="en-US" sz="1800" b="0" i="1" u="none" strike="noStrike" kern="1200" cap="none" spc="0" normalizeH="0" baseline="0" noProof="0" smtClean="0">
+                        <a:ln>
+                          <a:noFill/>
+                        </a:ln>
+                        <a:solidFill>
+                          <a:srgbClr val="404040"/>
+                        </a:solidFill>
+                        <a:effectLst/>
+                        <a:uLnTx/>
+                        <a:uFillTx/>
+                        <a:latin typeface="Cambria Math" panose="02040503050406030204" pitchFamily="18" charset="0"/>
+                      </a:rPr>
+                      <m:t>𝑑𝑒𝑙𝑎</m:t>
+                    </m:r>
+                    <m:sSub>
+                      <m:sSubPr>
+                        <m:ctrlPr>
+                          <a:rPr kumimoji="0" lang="en-US" sz="1800" b="0" i="1" u="none" strike="noStrike" kern="1200" cap="none" spc="0" normalizeH="0" baseline="0" noProof="0" smtClean="0">
+                            <a:ln>
+                              <a:noFill/>
+                            </a:ln>
+                            <a:solidFill>
+                              <a:srgbClr val="404040"/>
+                            </a:solidFill>
+                            <a:effectLst/>
+                            <a:uLnTx/>
+                            <a:uFillTx/>
+                            <a:latin typeface="Cambria Math" panose="02040503050406030204" pitchFamily="18" charset="0"/>
+                          </a:rPr>
+                        </m:ctrlPr>
+                      </m:sSubPr>
+                      <m:e>
+                        <m:r>
+                          <a:rPr kumimoji="0" lang="en-US" sz="1800" b="0" i="1" u="none" strike="noStrike" kern="1200" cap="none" spc="0" normalizeH="0" baseline="0" noProof="0" smtClean="0">
+                            <a:ln>
+                              <a:noFill/>
+                            </a:ln>
+                            <a:solidFill>
+                              <a:srgbClr val="404040"/>
+                            </a:solidFill>
+                            <a:effectLst/>
+                            <a:uLnTx/>
+                            <a:uFillTx/>
+                            <a:latin typeface="Cambria Math" panose="02040503050406030204" pitchFamily="18" charset="0"/>
+                          </a:rPr>
+                          <m:t>𝑦</m:t>
+                        </m:r>
+                      </m:e>
+                      <m:sub>
+                        <m:r>
+                          <a:rPr kumimoji="0" lang="en-US" sz="1800" b="0" i="1" u="none" strike="noStrike" kern="1200" cap="none" spc="0" normalizeH="0" baseline="0" noProof="0" smtClean="0">
+                            <a:ln>
+                              <a:noFill/>
+                            </a:ln>
+                            <a:solidFill>
+                              <a:srgbClr val="404040"/>
+                            </a:solidFill>
+                            <a:effectLst/>
+                            <a:uLnTx/>
+                            <a:uFillTx/>
+                            <a:latin typeface="Cambria Math" panose="02040503050406030204" pitchFamily="18" charset="0"/>
+                          </a:rPr>
+                          <m:t>𝑎𝑟𝑟</m:t>
+                        </m:r>
+                      </m:sub>
+                    </m:sSub>
+                  </m:oMath>
+                </a14:m>
+                <a:endParaRPr kumimoji="0" lang="en-US" sz="1800" b="0" i="0" u="none" strike="noStrike" kern="1200" cap="none" spc="0" normalizeH="0" baseline="0" noProof="0" dirty="0">
+                  <a:ln>
+                    <a:noFill/>
+                  </a:ln>
+                  <a:solidFill>
+                    <a:srgbClr val="404040"/>
+                  </a:solidFill>
+                  <a:effectLst/>
+                  <a:uLnTx/>
+                  <a:uFillTx/>
+                  <a:latin typeface="Arial" charset="0"/>
+                  <a:ea typeface="ＭＳ Ｐゴシック" charset="-128"/>
+                </a:endParaRPr>
+              </a:p>
+              <a:p>
+                <a:pPr marL="457200" marR="0" lvl="1" indent="0" algn="l" defTabSz="457200" rtl="0" eaLnBrk="1" fontAlgn="base" latinLnBrk="0" hangingPunct="1">
+                  <a:lnSpc>
+                    <a:spcPct val="100000"/>
+                  </a:lnSpc>
+                  <a:spcBef>
+                    <a:spcPct val="0"/>
+                  </a:spcBef>
+                  <a:spcAft>
+                    <a:spcPct val="0"/>
+                  </a:spcAft>
+                  <a:buClrTx/>
+                  <a:buSzTx/>
+                  <a:buFontTx/>
+                  <a:buNone/>
+                  <a:tabLst/>
+                  <a:defRPr/>
+                </a:pPr>
+                <a:r>
+                  <a:rPr kumimoji="0" lang="en-US" sz="1800" b="0" i="0" u="none" strike="noStrike" kern="1200" cap="none" spc="0" normalizeH="0" baseline="0" noProof="0" dirty="0">
+                    <a:ln>
+                      <a:noFill/>
+                    </a:ln>
+                    <a:solidFill>
+                      <a:srgbClr val="404040"/>
+                    </a:solidFill>
+                    <a:effectLst/>
+                    <a:uLnTx/>
+                    <a:uFillTx/>
+                    <a:latin typeface="Arial" charset="0"/>
+                    <a:ea typeface="ＭＳ Ｐゴシック" charset="-128"/>
+                  </a:rPr>
+                  <a:t>	</a:t>
+                </a:r>
+                <a14:m>
+                  <m:oMath xmlns:m="http://schemas.openxmlformats.org/officeDocument/2006/math">
+                    <m:r>
+                      <a:rPr kumimoji="0" lang="en-US" sz="1800" b="0" i="1" u="none" strike="noStrike" kern="1200" cap="none" spc="0" normalizeH="0" baseline="0" noProof="0">
+                        <a:ln>
+                          <a:noFill/>
+                        </a:ln>
+                        <a:solidFill>
+                          <a:srgbClr val="404040"/>
+                        </a:solidFill>
+                        <a:effectLst/>
+                        <a:uLnTx/>
+                        <a:uFillTx/>
+                        <a:latin typeface="Cambria Math" panose="02040503050406030204" pitchFamily="18" charset="0"/>
+                      </a:rPr>
+                      <m:t>𝐴𝑐𝑐𝑢𝑟𝑎𝑐𝑦</m:t>
+                    </m:r>
+                    <m:r>
+                      <a:rPr kumimoji="0" lang="en-US" sz="1800" b="0" i="1" u="none" strike="noStrike" kern="1200" cap="none" spc="0" normalizeH="0" baseline="0" noProof="0">
+                        <a:ln>
+                          <a:noFill/>
+                        </a:ln>
+                        <a:solidFill>
+                          <a:srgbClr val="404040"/>
+                        </a:solidFill>
+                        <a:effectLst/>
+                        <a:uLnTx/>
+                        <a:uFillTx/>
+                        <a:latin typeface="Cambria Math" panose="02040503050406030204" pitchFamily="18" charset="0"/>
+                      </a:rPr>
+                      <m:t>=(</m:t>
+                    </m:r>
+                    <m:r>
+                      <a:rPr kumimoji="0" lang="en-US" sz="1800" b="0" i="1" u="none" strike="noStrike" kern="1200" cap="none" spc="0" normalizeH="0" baseline="0" noProof="0">
+                        <a:ln>
+                          <a:noFill/>
+                        </a:ln>
+                        <a:solidFill>
+                          <a:srgbClr val="404040"/>
+                        </a:solidFill>
+                        <a:effectLst/>
+                        <a:uLnTx/>
+                        <a:uFillTx/>
+                        <a:latin typeface="Cambria Math" panose="02040503050406030204" pitchFamily="18" charset="0"/>
+                      </a:rPr>
+                      <m:t>𝑑𝑒𝑙𝑎</m:t>
+                    </m:r>
+                    <m:sSub>
+                      <m:sSubPr>
+                        <m:ctrlPr>
+                          <a:rPr kumimoji="0" lang="en-US" sz="1800" b="0" i="1" u="none" strike="noStrike" kern="1200" cap="none" spc="0" normalizeH="0" baseline="0" noProof="0">
+                            <a:ln>
+                              <a:noFill/>
+                            </a:ln>
+                            <a:solidFill>
+                              <a:srgbClr val="404040"/>
+                            </a:solidFill>
+                            <a:effectLst/>
+                            <a:uLnTx/>
+                            <a:uFillTx/>
+                            <a:latin typeface="Cambria Math" panose="02040503050406030204" pitchFamily="18" charset="0"/>
+                          </a:rPr>
+                        </m:ctrlPr>
+                      </m:sSubPr>
+                      <m:e>
+                        <m:r>
+                          <a:rPr kumimoji="0" lang="en-US" sz="1800" b="0" i="1" u="none" strike="noStrike" kern="1200" cap="none" spc="0" normalizeH="0" baseline="0" noProof="0">
+                            <a:ln>
+                              <a:noFill/>
+                            </a:ln>
+                            <a:solidFill>
+                              <a:srgbClr val="404040"/>
+                            </a:solidFill>
+                            <a:effectLst/>
+                            <a:uLnTx/>
+                            <a:uFillTx/>
+                            <a:latin typeface="Cambria Math" panose="02040503050406030204" pitchFamily="18" charset="0"/>
+                          </a:rPr>
+                          <m:t>𝑦</m:t>
+                        </m:r>
+                      </m:e>
+                      <m:sub>
+                        <m:r>
+                          <a:rPr kumimoji="0" lang="en-US" sz="1800" b="0" i="1" u="none" strike="noStrike" kern="1200" cap="none" spc="0" normalizeH="0" baseline="0" noProof="0">
+                            <a:ln>
+                              <a:noFill/>
+                            </a:ln>
+                            <a:solidFill>
+                              <a:srgbClr val="404040"/>
+                            </a:solidFill>
+                            <a:effectLst/>
+                            <a:uLnTx/>
+                            <a:uFillTx/>
+                            <a:latin typeface="Cambria Math" panose="02040503050406030204" pitchFamily="18" charset="0"/>
+                          </a:rPr>
+                          <m:t>𝑑𝑒𝑝</m:t>
+                        </m:r>
+                      </m:sub>
+                    </m:sSub>
+                    <m:r>
+                      <a:rPr kumimoji="0" lang="en-US" sz="1800" b="0" i="1" u="none" strike="noStrike" kern="1200" cap="none" spc="0" normalizeH="0" baseline="0" noProof="0">
+                        <a:ln>
+                          <a:noFill/>
+                        </a:ln>
+                        <a:solidFill>
+                          <a:srgbClr val="404040"/>
+                        </a:solidFill>
+                        <a:effectLst/>
+                        <a:uLnTx/>
+                        <a:uFillTx/>
+                        <a:latin typeface="Cambria Math" panose="02040503050406030204" pitchFamily="18" charset="0"/>
+                      </a:rPr>
+                      <m:t>+</m:t>
+                    </m:r>
+                    <m:r>
+                      <a:rPr kumimoji="0" lang="en-US" sz="1800" b="0" i="1" u="none" strike="noStrike" kern="1200" cap="none" spc="0" normalizeH="0" baseline="0" noProof="0">
+                        <a:ln>
+                          <a:noFill/>
+                        </a:ln>
+                        <a:solidFill>
+                          <a:srgbClr val="404040"/>
+                        </a:solidFill>
+                        <a:effectLst/>
+                        <a:uLnTx/>
+                        <a:uFillTx/>
+                        <a:latin typeface="Cambria Math" panose="02040503050406030204" pitchFamily="18" charset="0"/>
+                      </a:rPr>
+                      <m:t>𝑑𝑒𝑙𝑎</m:t>
+                    </m:r>
+                    <m:sSub>
+                      <m:sSubPr>
+                        <m:ctrlPr>
+                          <a:rPr kumimoji="0" lang="en-US" sz="1800" b="0" i="1" u="none" strike="noStrike" kern="1200" cap="none" spc="0" normalizeH="0" baseline="0" noProof="0">
+                            <a:ln>
+                              <a:noFill/>
+                            </a:ln>
+                            <a:solidFill>
+                              <a:srgbClr val="404040"/>
+                            </a:solidFill>
+                            <a:effectLst/>
+                            <a:uLnTx/>
+                            <a:uFillTx/>
+                            <a:latin typeface="Cambria Math" panose="02040503050406030204" pitchFamily="18" charset="0"/>
+                          </a:rPr>
+                        </m:ctrlPr>
+                      </m:sSubPr>
+                      <m:e>
+                        <m:r>
+                          <a:rPr kumimoji="0" lang="en-US" sz="1800" b="0" i="1" u="none" strike="noStrike" kern="1200" cap="none" spc="0" normalizeH="0" baseline="0" noProof="0">
+                            <a:ln>
+                              <a:noFill/>
+                            </a:ln>
+                            <a:solidFill>
+                              <a:srgbClr val="404040"/>
+                            </a:solidFill>
+                            <a:effectLst/>
+                            <a:uLnTx/>
+                            <a:uFillTx/>
+                            <a:latin typeface="Cambria Math" panose="02040503050406030204" pitchFamily="18" charset="0"/>
+                          </a:rPr>
+                          <m:t>𝑦</m:t>
+                        </m:r>
+                      </m:e>
+                      <m:sub>
+                        <m:r>
+                          <a:rPr kumimoji="0" lang="en-US" sz="1800" b="0" i="1" u="none" strike="noStrike" kern="1200" cap="none" spc="0" normalizeH="0" baseline="0" noProof="0">
+                            <a:ln>
+                              <a:noFill/>
+                            </a:ln>
+                            <a:solidFill>
+                              <a:srgbClr val="404040"/>
+                            </a:solidFill>
+                            <a:effectLst/>
+                            <a:uLnTx/>
+                            <a:uFillTx/>
+                            <a:latin typeface="Cambria Math" panose="02040503050406030204" pitchFamily="18" charset="0"/>
+                          </a:rPr>
+                          <m:t>𝑎𝑟𝑟</m:t>
+                        </m:r>
+                      </m:sub>
+                    </m:sSub>
+                    <m:r>
+                      <a:rPr kumimoji="0" lang="en-US" sz="1800" b="0" i="1" u="none" strike="noStrike" kern="1200" cap="none" spc="0" normalizeH="0" baseline="0" noProof="0" smtClean="0">
+                        <a:ln>
+                          <a:noFill/>
+                        </a:ln>
+                        <a:solidFill>
+                          <a:srgbClr val="404040"/>
+                        </a:solidFill>
+                        <a:effectLst/>
+                        <a:uLnTx/>
+                        <a:uFillTx/>
+                        <a:latin typeface="Cambria Math" panose="02040503050406030204" pitchFamily="18" charset="0"/>
+                      </a:rPr>
+                      <m:t>)/2</m:t>
+                    </m:r>
+                  </m:oMath>
+                </a14:m>
+                <a:endParaRPr kumimoji="0" lang="en-US" sz="1800" b="0" i="0" u="none" strike="noStrike" kern="1200" cap="none" spc="0" normalizeH="0" baseline="0" noProof="0" dirty="0">
+                  <a:ln>
+                    <a:noFill/>
+                  </a:ln>
+                  <a:solidFill>
+                    <a:srgbClr val="404040"/>
+                  </a:solidFill>
+                  <a:effectLst/>
+                  <a:uLnTx/>
+                  <a:uFillTx/>
+                  <a:latin typeface="Arial" charset="0"/>
+                  <a:ea typeface="ＭＳ Ｐゴシック" charset="-128"/>
+                </a:endParaRPr>
+              </a:p>
+              <a:p>
+                <a:pPr marL="742950" marR="0" lvl="1" indent="-285750" algn="l" defTabSz="457200" rtl="0" eaLnBrk="1" fontAlgn="base" latinLnBrk="0" hangingPunct="1">
+                  <a:lnSpc>
+                    <a:spcPct val="100000"/>
+                  </a:lnSpc>
+                  <a:spcBef>
+                    <a:spcPct val="0"/>
+                  </a:spcBef>
+                  <a:spcAft>
+                    <a:spcPct val="0"/>
+                  </a:spcAft>
+                  <a:buClrTx/>
+                  <a:buSzTx/>
+                  <a:buFont typeface="Arial" panose="020B0604020202020204" pitchFamily="34" charset="0"/>
+                  <a:buChar char="•"/>
+                  <a:tabLst/>
+                  <a:defRPr/>
+                </a:pPr>
+                <a:endParaRPr kumimoji="0" lang="en-US" sz="2400" b="0" i="0" u="none" strike="noStrike" kern="1200" cap="none" spc="0" normalizeH="0" baseline="0" noProof="0" dirty="0">
+                  <a:ln>
+                    <a:noFill/>
+                  </a:ln>
+                  <a:solidFill>
+                    <a:srgbClr val="404040"/>
+                  </a:solidFill>
+                  <a:effectLst/>
+                  <a:uLnTx/>
+                  <a:uFillTx/>
+                  <a:latin typeface="Arial" charset="0"/>
+                  <a:ea typeface="ＭＳ Ｐゴシック" charset="-128"/>
+                </a:endParaRPr>
+              </a:p>
+              <a:p>
+                <a:pPr marL="742950" marR="0" lvl="1" indent="-285750" algn="l" defTabSz="457200" rtl="0" eaLnBrk="1" fontAlgn="base" latinLnBrk="0" hangingPunct="1">
+                  <a:lnSpc>
+                    <a:spcPct val="100000"/>
+                  </a:lnSpc>
+                  <a:spcBef>
+                    <a:spcPct val="0"/>
+                  </a:spcBef>
+                  <a:spcAft>
+                    <a:spcPct val="0"/>
+                  </a:spcAft>
+                  <a:buClrTx/>
+                  <a:buSzTx/>
+                  <a:buFont typeface="Arial" panose="020B0604020202020204" pitchFamily="34" charset="0"/>
+                  <a:buChar char="•"/>
+                  <a:tabLst/>
+                  <a:defRPr/>
+                </a:pPr>
+                <a:r>
+                  <a:rPr kumimoji="0" lang="en-US" sz="2400" b="0" i="0" u="none" strike="noStrike" kern="1200" cap="none" spc="0" normalizeH="0" baseline="0" noProof="0" dirty="0">
+                    <a:ln>
+                      <a:noFill/>
+                    </a:ln>
+                    <a:solidFill>
+                      <a:srgbClr val="404040"/>
+                    </a:solidFill>
+                    <a:effectLst/>
+                    <a:uLnTx/>
+                    <a:uFillTx/>
+                    <a:latin typeface="Arial" charset="0"/>
+                    <a:ea typeface="ＭＳ Ｐゴシック" charset="-128"/>
+                  </a:rPr>
+                  <a:t>Good Metrics</a:t>
+                </a:r>
+              </a:p>
+              <a:p>
+                <a:pPr marL="457200" marR="0" lvl="1" indent="0" algn="l" defTabSz="457200" rtl="0" eaLnBrk="1" fontAlgn="base" latinLnBrk="0" hangingPunct="1">
+                  <a:lnSpc>
+                    <a:spcPct val="100000"/>
+                  </a:lnSpc>
+                  <a:spcBef>
+                    <a:spcPct val="0"/>
+                  </a:spcBef>
+                  <a:spcAft>
+                    <a:spcPct val="0"/>
+                  </a:spcAft>
+                  <a:buClrTx/>
+                  <a:buSzTx/>
+                  <a:buFontTx/>
+                  <a:buNone/>
+                  <a:tabLst/>
+                  <a:defRPr/>
+                </a:pPr>
+                <a:r>
+                  <a:rPr kumimoji="0" lang="en-US" sz="2400" b="0" i="0" u="none" strike="noStrike" kern="1200" cap="none" spc="0" normalizeH="0" baseline="0" noProof="0" dirty="0">
+                    <a:ln>
+                      <a:noFill/>
+                    </a:ln>
+                    <a:solidFill>
+                      <a:srgbClr val="404040"/>
+                    </a:solidFill>
+                    <a:effectLst/>
+                    <a:uLnTx/>
+                    <a:uFillTx/>
+                    <a:latin typeface="Arial" charset="0"/>
+                    <a:ea typeface="ＭＳ Ｐゴシック" charset="-128"/>
+                  </a:rPr>
+                  <a:t>	 </a:t>
+                </a:r>
+                <a14:m>
+                  <m:oMath xmlns:m="http://schemas.openxmlformats.org/officeDocument/2006/math">
+                    <m:r>
+                      <a:rPr kumimoji="0" lang="en-US" sz="1800" b="0" i="1" u="none" strike="noStrike" kern="1200" cap="none" spc="0" normalizeH="0" baseline="0" noProof="0">
+                        <a:ln>
+                          <a:noFill/>
+                        </a:ln>
+                        <a:solidFill>
+                          <a:srgbClr val="404040"/>
+                        </a:solidFill>
+                        <a:effectLst/>
+                        <a:uLnTx/>
+                        <a:uFillTx/>
+                        <a:latin typeface="Cambria Math" panose="02040503050406030204" pitchFamily="18" charset="0"/>
+                      </a:rPr>
+                      <m:t>𝐴𝑐𝑐𝑢𝑟𝑎𝑐𝑦</m:t>
+                    </m:r>
+                    <m:r>
+                      <a:rPr kumimoji="0" lang="en-US" sz="1800" b="0" i="1" u="none" strike="noStrike" kern="1200" cap="none" spc="0" normalizeH="0" baseline="0" noProof="0">
+                        <a:ln>
+                          <a:noFill/>
+                        </a:ln>
+                        <a:solidFill>
+                          <a:srgbClr val="404040"/>
+                        </a:solidFill>
+                        <a:effectLst/>
+                        <a:uLnTx/>
+                        <a:uFillTx/>
+                        <a:latin typeface="Cambria Math" panose="02040503050406030204" pitchFamily="18" charset="0"/>
+                      </a:rPr>
+                      <m:t>=|</m:t>
+                    </m:r>
+                    <m:r>
+                      <a:rPr kumimoji="0" lang="en-US" sz="1800" b="0" i="1" u="none" strike="noStrike" kern="1200" cap="none" spc="0" normalizeH="0" baseline="0" noProof="0">
+                        <a:ln>
+                          <a:noFill/>
+                        </a:ln>
+                        <a:solidFill>
+                          <a:srgbClr val="404040"/>
+                        </a:solidFill>
+                        <a:effectLst/>
+                        <a:uLnTx/>
+                        <a:uFillTx/>
+                        <a:latin typeface="Cambria Math" panose="02040503050406030204" pitchFamily="18" charset="0"/>
+                      </a:rPr>
+                      <m:t>𝑑𝑒𝑙𝑎</m:t>
+                    </m:r>
+                    <m:sSub>
+                      <m:sSubPr>
+                        <m:ctrlPr>
+                          <a:rPr kumimoji="0" lang="en-US" sz="1800" b="0" i="1" u="none" strike="noStrike" kern="1200" cap="none" spc="0" normalizeH="0" baseline="0" noProof="0">
+                            <a:ln>
+                              <a:noFill/>
+                            </a:ln>
+                            <a:solidFill>
+                              <a:srgbClr val="404040"/>
+                            </a:solidFill>
+                            <a:effectLst/>
+                            <a:uLnTx/>
+                            <a:uFillTx/>
+                            <a:latin typeface="Cambria Math" panose="02040503050406030204" pitchFamily="18" charset="0"/>
+                          </a:rPr>
+                        </m:ctrlPr>
+                      </m:sSubPr>
+                      <m:e>
+                        <m:r>
+                          <a:rPr kumimoji="0" lang="en-US" sz="1800" b="0" i="1" u="none" strike="noStrike" kern="1200" cap="none" spc="0" normalizeH="0" baseline="0" noProof="0">
+                            <a:ln>
+                              <a:noFill/>
+                            </a:ln>
+                            <a:solidFill>
+                              <a:srgbClr val="404040"/>
+                            </a:solidFill>
+                            <a:effectLst/>
+                            <a:uLnTx/>
+                            <a:uFillTx/>
+                            <a:latin typeface="Cambria Math" panose="02040503050406030204" pitchFamily="18" charset="0"/>
+                          </a:rPr>
+                          <m:t>𝑦</m:t>
+                        </m:r>
+                      </m:e>
+                      <m:sub>
+                        <m:r>
+                          <a:rPr kumimoji="0" lang="en-US" sz="1800" b="0" i="1" u="none" strike="noStrike" kern="1200" cap="none" spc="0" normalizeH="0" baseline="0" noProof="0">
+                            <a:ln>
+                              <a:noFill/>
+                            </a:ln>
+                            <a:solidFill>
+                              <a:srgbClr val="404040"/>
+                            </a:solidFill>
+                            <a:effectLst/>
+                            <a:uLnTx/>
+                            <a:uFillTx/>
+                            <a:latin typeface="Cambria Math" panose="02040503050406030204" pitchFamily="18" charset="0"/>
+                          </a:rPr>
+                          <m:t>𝑑𝑒𝑝</m:t>
+                        </m:r>
+                      </m:sub>
+                    </m:sSub>
+                    <m:r>
+                      <a:rPr kumimoji="0" lang="en-US" sz="1800" b="0" i="1" u="none" strike="noStrike" kern="1200" cap="none" spc="0" normalizeH="0" baseline="0" noProof="0" smtClean="0">
+                        <a:ln>
+                          <a:noFill/>
+                        </a:ln>
+                        <a:solidFill>
+                          <a:srgbClr val="404040"/>
+                        </a:solidFill>
+                        <a:effectLst/>
+                        <a:uLnTx/>
+                        <a:uFillTx/>
+                        <a:latin typeface="Cambria Math" panose="02040503050406030204" pitchFamily="18" charset="0"/>
+                      </a:rPr>
+                      <m:t>|</m:t>
+                    </m:r>
+                    <m:r>
+                      <a:rPr kumimoji="0" lang="en-US" sz="1800" b="0" i="1" u="none" strike="noStrike" kern="1200" cap="none" spc="0" normalizeH="0" baseline="0" noProof="0">
+                        <a:ln>
+                          <a:noFill/>
+                        </a:ln>
+                        <a:solidFill>
+                          <a:srgbClr val="404040"/>
+                        </a:solidFill>
+                        <a:effectLst/>
+                        <a:uLnTx/>
+                        <a:uFillTx/>
+                        <a:latin typeface="Cambria Math" panose="02040503050406030204" pitchFamily="18" charset="0"/>
+                      </a:rPr>
+                      <m:t>+</m:t>
+                    </m:r>
+                    <m:r>
+                      <a:rPr kumimoji="0" lang="en-US" sz="1800" b="0" i="1" u="none" strike="noStrike" kern="1200" cap="none" spc="0" normalizeH="0" baseline="0" noProof="0" smtClean="0">
+                        <a:ln>
+                          <a:noFill/>
+                        </a:ln>
+                        <a:solidFill>
+                          <a:srgbClr val="404040"/>
+                        </a:solidFill>
+                        <a:effectLst/>
+                        <a:uLnTx/>
+                        <a:uFillTx/>
+                        <a:latin typeface="Cambria Math" panose="02040503050406030204" pitchFamily="18" charset="0"/>
+                      </a:rPr>
+                      <m:t>|</m:t>
+                    </m:r>
+                    <m:r>
+                      <a:rPr kumimoji="0" lang="en-US" sz="1800" b="0" i="1" u="none" strike="noStrike" kern="1200" cap="none" spc="0" normalizeH="0" baseline="0" noProof="0">
+                        <a:ln>
+                          <a:noFill/>
+                        </a:ln>
+                        <a:solidFill>
+                          <a:srgbClr val="404040"/>
+                        </a:solidFill>
+                        <a:effectLst/>
+                        <a:uLnTx/>
+                        <a:uFillTx/>
+                        <a:latin typeface="Cambria Math" panose="02040503050406030204" pitchFamily="18" charset="0"/>
+                      </a:rPr>
+                      <m:t>𝑑𝑒𝑙𝑎</m:t>
+                    </m:r>
+                    <m:sSub>
+                      <m:sSubPr>
+                        <m:ctrlPr>
+                          <a:rPr kumimoji="0" lang="en-US" sz="1800" b="0" i="1" u="none" strike="noStrike" kern="1200" cap="none" spc="0" normalizeH="0" baseline="0" noProof="0">
+                            <a:ln>
+                              <a:noFill/>
+                            </a:ln>
+                            <a:solidFill>
+                              <a:srgbClr val="404040"/>
+                            </a:solidFill>
+                            <a:effectLst/>
+                            <a:uLnTx/>
+                            <a:uFillTx/>
+                            <a:latin typeface="Cambria Math" panose="02040503050406030204" pitchFamily="18" charset="0"/>
+                          </a:rPr>
+                        </m:ctrlPr>
+                      </m:sSubPr>
+                      <m:e>
+                        <m:r>
+                          <a:rPr kumimoji="0" lang="en-US" sz="1800" b="0" i="1" u="none" strike="noStrike" kern="1200" cap="none" spc="0" normalizeH="0" baseline="0" noProof="0">
+                            <a:ln>
+                              <a:noFill/>
+                            </a:ln>
+                            <a:solidFill>
+                              <a:srgbClr val="404040"/>
+                            </a:solidFill>
+                            <a:effectLst/>
+                            <a:uLnTx/>
+                            <a:uFillTx/>
+                            <a:latin typeface="Cambria Math" panose="02040503050406030204" pitchFamily="18" charset="0"/>
+                          </a:rPr>
+                          <m:t>𝑦</m:t>
+                        </m:r>
+                      </m:e>
+                      <m:sub>
+                        <m:r>
+                          <a:rPr kumimoji="0" lang="en-US" sz="1800" b="0" i="1" u="none" strike="noStrike" kern="1200" cap="none" spc="0" normalizeH="0" baseline="0" noProof="0">
+                            <a:ln>
+                              <a:noFill/>
+                            </a:ln>
+                            <a:solidFill>
+                              <a:srgbClr val="404040"/>
+                            </a:solidFill>
+                            <a:effectLst/>
+                            <a:uLnTx/>
+                            <a:uFillTx/>
+                            <a:latin typeface="Cambria Math" panose="02040503050406030204" pitchFamily="18" charset="0"/>
+                          </a:rPr>
+                          <m:t>𝑎𝑟𝑟</m:t>
+                        </m:r>
+                      </m:sub>
+                    </m:sSub>
+                    <m:r>
+                      <a:rPr kumimoji="0" lang="en-US" sz="1800" b="0" i="1" u="none" strike="noStrike" kern="1200" cap="none" spc="0" normalizeH="0" baseline="0" noProof="0" smtClean="0">
+                        <a:ln>
+                          <a:noFill/>
+                        </a:ln>
+                        <a:solidFill>
+                          <a:srgbClr val="404040"/>
+                        </a:solidFill>
+                        <a:effectLst/>
+                        <a:uLnTx/>
+                        <a:uFillTx/>
+                        <a:latin typeface="Cambria Math" panose="02040503050406030204" pitchFamily="18" charset="0"/>
+                      </a:rPr>
+                      <m:t>|</m:t>
+                    </m:r>
+                  </m:oMath>
+                </a14:m>
+                <a:endParaRPr kumimoji="0" lang="en-US" sz="1800" b="0" i="0" u="none" strike="noStrike" kern="1200" cap="none" spc="0" normalizeH="0" baseline="0" noProof="0" dirty="0">
+                  <a:ln>
+                    <a:noFill/>
+                  </a:ln>
+                  <a:solidFill>
+                    <a:srgbClr val="404040"/>
+                  </a:solidFill>
+                  <a:effectLst/>
+                  <a:uLnTx/>
+                  <a:uFillTx/>
+                  <a:latin typeface="Arial" charset="0"/>
+                  <a:ea typeface="ＭＳ Ｐゴシック" charset="-128"/>
+                </a:endParaRPr>
+              </a:p>
+              <a:p>
+                <a:pPr marL="457200" marR="0" lvl="1" indent="0" algn="l" defTabSz="457200" rtl="0" eaLnBrk="1" fontAlgn="base" latinLnBrk="0" hangingPunct="1">
+                  <a:lnSpc>
+                    <a:spcPct val="100000"/>
+                  </a:lnSpc>
+                  <a:spcBef>
+                    <a:spcPct val="0"/>
+                  </a:spcBef>
+                  <a:spcAft>
+                    <a:spcPct val="0"/>
+                  </a:spcAft>
+                  <a:buClrTx/>
+                  <a:buSzTx/>
+                  <a:buFontTx/>
+                  <a:buNone/>
+                  <a:tabLst/>
+                  <a:defRPr/>
+                </a:pPr>
+                <a:r>
+                  <a:rPr kumimoji="0" lang="en-US" sz="1600" b="0" i="0" u="none" strike="noStrike" kern="1200" cap="none" spc="0" normalizeH="0" baseline="0" noProof="0" dirty="0">
+                    <a:ln>
+                      <a:noFill/>
+                    </a:ln>
+                    <a:solidFill>
+                      <a:srgbClr val="404040"/>
+                    </a:solidFill>
+                    <a:effectLst/>
+                    <a:uLnTx/>
+                    <a:uFillTx/>
+                    <a:latin typeface="Arial" charset="0"/>
+                    <a:ea typeface="ＭＳ Ｐゴシック" charset="-128"/>
+                  </a:rPr>
+                  <a:t>	 </a:t>
+                </a:r>
+                <a14:m>
+                  <m:oMath xmlns:m="http://schemas.openxmlformats.org/officeDocument/2006/math">
+                    <m:r>
+                      <a:rPr kumimoji="0" lang="en-US" sz="1800" b="0" i="1" u="none" strike="noStrike" kern="1200" cap="none" spc="0" normalizeH="0" baseline="0" noProof="0">
+                        <a:ln>
+                          <a:noFill/>
+                        </a:ln>
+                        <a:solidFill>
+                          <a:srgbClr val="404040"/>
+                        </a:solidFill>
+                        <a:effectLst/>
+                        <a:uLnTx/>
+                        <a:uFillTx/>
+                        <a:latin typeface="Cambria Math" panose="02040503050406030204" pitchFamily="18" charset="0"/>
+                      </a:rPr>
+                      <m:t>𝐴𝑐𝑐𝑢𝑟𝑎𝑐𝑦</m:t>
+                    </m:r>
+                    <m:r>
+                      <a:rPr kumimoji="0" lang="en-US" sz="1800" b="0" i="1" u="none" strike="noStrike" kern="1200" cap="none" spc="0" normalizeH="0" baseline="0" noProof="0">
+                        <a:ln>
+                          <a:noFill/>
+                        </a:ln>
+                        <a:solidFill>
+                          <a:srgbClr val="404040"/>
+                        </a:solidFill>
+                        <a:effectLst/>
+                        <a:uLnTx/>
+                        <a:uFillTx/>
+                        <a:latin typeface="Cambria Math" panose="02040503050406030204" pitchFamily="18" charset="0"/>
+                      </a:rPr>
+                      <m:t>=</m:t>
+                    </m:r>
+                    <m:rad>
+                      <m:radPr>
+                        <m:degHide m:val="on"/>
+                        <m:ctrlPr>
+                          <a:rPr kumimoji="0" lang="en-US" sz="1800" b="0" i="1" u="none" strike="noStrike" kern="1200" cap="none" spc="0" normalizeH="0" baseline="0" noProof="0" smtClean="0">
+                            <a:ln>
+                              <a:noFill/>
+                            </a:ln>
+                            <a:solidFill>
+                              <a:srgbClr val="404040"/>
+                            </a:solidFill>
+                            <a:effectLst/>
+                            <a:uLnTx/>
+                            <a:uFillTx/>
+                            <a:latin typeface="Cambria Math" panose="02040503050406030204" pitchFamily="18" charset="0"/>
+                          </a:rPr>
+                        </m:ctrlPr>
+                      </m:radPr>
+                      <m:deg/>
+                      <m:e>
+                        <m:r>
+                          <a:rPr kumimoji="0" lang="en-US" sz="1800" b="0" i="1" u="none" strike="noStrike" kern="1200" cap="none" spc="0" normalizeH="0" baseline="0" noProof="0">
+                            <a:ln>
+                              <a:noFill/>
+                            </a:ln>
+                            <a:solidFill>
+                              <a:srgbClr val="404040"/>
+                            </a:solidFill>
+                            <a:effectLst/>
+                            <a:uLnTx/>
+                            <a:uFillTx/>
+                            <a:latin typeface="Cambria Math" panose="02040503050406030204" pitchFamily="18" charset="0"/>
+                          </a:rPr>
+                          <m:t>𝑑𝑒𝑙𝑎</m:t>
+                        </m:r>
+                        <m:sSubSup>
+                          <m:sSubSupPr>
+                            <m:ctrlPr>
+                              <a:rPr kumimoji="0" lang="en-US" sz="1800" b="0" i="1" u="none" strike="noStrike" kern="1200" cap="none" spc="0" normalizeH="0" baseline="0" noProof="0">
+                                <a:ln>
+                                  <a:noFill/>
+                                </a:ln>
+                                <a:solidFill>
+                                  <a:srgbClr val="404040"/>
+                                </a:solidFill>
+                                <a:effectLst/>
+                                <a:uLnTx/>
+                                <a:uFillTx/>
+                                <a:latin typeface="Cambria Math" panose="02040503050406030204" pitchFamily="18" charset="0"/>
+                              </a:rPr>
+                            </m:ctrlPr>
+                          </m:sSubSupPr>
+                          <m:e>
+                            <m:r>
+                              <a:rPr kumimoji="0" lang="en-US" sz="1800" b="0" i="1" u="none" strike="noStrike" kern="1200" cap="none" spc="0" normalizeH="0" baseline="0" noProof="0">
+                                <a:ln>
+                                  <a:noFill/>
+                                </a:ln>
+                                <a:solidFill>
+                                  <a:srgbClr val="404040"/>
+                                </a:solidFill>
+                                <a:effectLst/>
+                                <a:uLnTx/>
+                                <a:uFillTx/>
+                                <a:latin typeface="Cambria Math" panose="02040503050406030204" pitchFamily="18" charset="0"/>
+                              </a:rPr>
+                              <m:t>𝑦</m:t>
+                            </m:r>
+                          </m:e>
+                          <m:sub>
+                            <m:r>
+                              <a:rPr kumimoji="0" lang="en-US" sz="1800" b="0" i="1" u="none" strike="noStrike" kern="1200" cap="none" spc="0" normalizeH="0" baseline="0" noProof="0">
+                                <a:ln>
+                                  <a:noFill/>
+                                </a:ln>
+                                <a:solidFill>
+                                  <a:srgbClr val="404040"/>
+                                </a:solidFill>
+                                <a:effectLst/>
+                                <a:uLnTx/>
+                                <a:uFillTx/>
+                                <a:latin typeface="Cambria Math" panose="02040503050406030204" pitchFamily="18" charset="0"/>
+                              </a:rPr>
+                              <m:t>𝑑𝑒𝑝</m:t>
+                            </m:r>
+                          </m:sub>
+                          <m:sup>
+                            <m:r>
+                              <a:rPr kumimoji="0" lang="en-US" sz="1800" b="0" i="1" u="none" strike="noStrike" kern="1200" cap="none" spc="0" normalizeH="0" baseline="0" noProof="0">
+                                <a:ln>
+                                  <a:noFill/>
+                                </a:ln>
+                                <a:solidFill>
+                                  <a:srgbClr val="404040"/>
+                                </a:solidFill>
+                                <a:effectLst/>
+                                <a:uLnTx/>
+                                <a:uFillTx/>
+                                <a:latin typeface="Cambria Math" panose="02040503050406030204" pitchFamily="18" charset="0"/>
+                              </a:rPr>
+                              <m:t>2</m:t>
+                            </m:r>
+                          </m:sup>
+                        </m:sSubSup>
+                        <m:r>
+                          <a:rPr kumimoji="0" lang="en-US" sz="1800" b="0" i="1" u="none" strike="noStrike" kern="1200" cap="none" spc="0" normalizeH="0" baseline="0" noProof="0">
+                            <a:ln>
+                              <a:noFill/>
+                            </a:ln>
+                            <a:solidFill>
+                              <a:srgbClr val="404040"/>
+                            </a:solidFill>
+                            <a:effectLst/>
+                            <a:uLnTx/>
+                            <a:uFillTx/>
+                            <a:latin typeface="Cambria Math" panose="02040503050406030204" pitchFamily="18" charset="0"/>
+                          </a:rPr>
+                          <m:t>+</m:t>
+                        </m:r>
+                        <m:r>
+                          <a:rPr kumimoji="0" lang="en-US" sz="1800" b="0" i="1" u="none" strike="noStrike" kern="1200" cap="none" spc="0" normalizeH="0" baseline="0" noProof="0">
+                            <a:ln>
+                              <a:noFill/>
+                            </a:ln>
+                            <a:solidFill>
+                              <a:srgbClr val="404040"/>
+                            </a:solidFill>
+                            <a:effectLst/>
+                            <a:uLnTx/>
+                            <a:uFillTx/>
+                            <a:latin typeface="Cambria Math" panose="02040503050406030204" pitchFamily="18" charset="0"/>
+                          </a:rPr>
+                          <m:t>𝑑𝑒𝑙𝑎</m:t>
+                        </m:r>
+                        <m:sSubSup>
+                          <m:sSubSupPr>
+                            <m:ctrlPr>
+                              <a:rPr kumimoji="0" lang="en-US" sz="1800" b="0" i="1" u="none" strike="noStrike" kern="1200" cap="none" spc="0" normalizeH="0" baseline="0" noProof="0">
+                                <a:ln>
+                                  <a:noFill/>
+                                </a:ln>
+                                <a:solidFill>
+                                  <a:srgbClr val="404040"/>
+                                </a:solidFill>
+                                <a:effectLst/>
+                                <a:uLnTx/>
+                                <a:uFillTx/>
+                                <a:latin typeface="Cambria Math" panose="02040503050406030204" pitchFamily="18" charset="0"/>
+                              </a:rPr>
+                            </m:ctrlPr>
+                          </m:sSubSupPr>
+                          <m:e>
+                            <m:r>
+                              <a:rPr kumimoji="0" lang="en-US" sz="1800" b="0" i="1" u="none" strike="noStrike" kern="1200" cap="none" spc="0" normalizeH="0" baseline="0" noProof="0">
+                                <a:ln>
+                                  <a:noFill/>
+                                </a:ln>
+                                <a:solidFill>
+                                  <a:srgbClr val="404040"/>
+                                </a:solidFill>
+                                <a:effectLst/>
+                                <a:uLnTx/>
+                                <a:uFillTx/>
+                                <a:latin typeface="Cambria Math" panose="02040503050406030204" pitchFamily="18" charset="0"/>
+                              </a:rPr>
+                              <m:t>𝑦</m:t>
+                            </m:r>
+                          </m:e>
+                          <m:sub>
+                            <m:r>
+                              <a:rPr kumimoji="0" lang="en-US" sz="1800" b="0" i="1" u="none" strike="noStrike" kern="1200" cap="none" spc="0" normalizeH="0" baseline="0" noProof="0">
+                                <a:ln>
+                                  <a:noFill/>
+                                </a:ln>
+                                <a:solidFill>
+                                  <a:srgbClr val="404040"/>
+                                </a:solidFill>
+                                <a:effectLst/>
+                                <a:uLnTx/>
+                                <a:uFillTx/>
+                                <a:latin typeface="Cambria Math" panose="02040503050406030204" pitchFamily="18" charset="0"/>
+                              </a:rPr>
+                              <m:t>𝑎𝑟𝑟</m:t>
+                            </m:r>
+                          </m:sub>
+                          <m:sup>
+                            <m:r>
+                              <a:rPr kumimoji="0" lang="en-US" sz="1800" b="0" i="1" u="none" strike="noStrike" kern="1200" cap="none" spc="0" normalizeH="0" baseline="0" noProof="0">
+                                <a:ln>
+                                  <a:noFill/>
+                                </a:ln>
+                                <a:solidFill>
+                                  <a:srgbClr val="404040"/>
+                                </a:solidFill>
+                                <a:effectLst/>
+                                <a:uLnTx/>
+                                <a:uFillTx/>
+                                <a:latin typeface="Cambria Math" panose="02040503050406030204" pitchFamily="18" charset="0"/>
+                              </a:rPr>
+                              <m:t>2</m:t>
+                            </m:r>
+                          </m:sup>
+                        </m:sSubSup>
+                      </m:e>
+                    </m:rad>
+                  </m:oMath>
+                </a14:m>
+                <a:endParaRPr kumimoji="0" lang="en-US" sz="1800" b="0" i="0" u="none" strike="noStrike" kern="1200" cap="none" spc="0" normalizeH="0" baseline="0" noProof="0" dirty="0">
+                  <a:ln>
+                    <a:noFill/>
+                  </a:ln>
+                  <a:solidFill>
+                    <a:srgbClr val="404040"/>
+                  </a:solidFill>
+                  <a:effectLst/>
+                  <a:uLnTx/>
+                  <a:uFillTx/>
+                  <a:latin typeface="Arial" charset="0"/>
+                  <a:ea typeface="ＭＳ Ｐゴシック" charset="-128"/>
+                </a:endParaRPr>
+              </a:p>
+              <a:p>
+                <a:pPr marL="800100" marR="0" lvl="1" indent="-342900" algn="l" defTabSz="457200" rtl="0" eaLnBrk="1" fontAlgn="base" latinLnBrk="0" hangingPunct="1">
+                  <a:lnSpc>
+                    <a:spcPct val="100000"/>
+                  </a:lnSpc>
+                  <a:spcBef>
+                    <a:spcPct val="0"/>
+                  </a:spcBef>
+                  <a:spcAft>
+                    <a:spcPct val="0"/>
+                  </a:spcAft>
+                  <a:buClrTx/>
+                  <a:buSzTx/>
+                  <a:buFont typeface="Arial" panose="020B0604020202020204" pitchFamily="34" charset="0"/>
+                  <a:buChar char="•"/>
+                  <a:tabLst/>
+                  <a:defRPr/>
+                </a:pPr>
+                <a:endParaRPr kumimoji="0" lang="en-US" sz="2400" b="0" i="0" u="none" strike="noStrike" kern="1200" cap="none" spc="0" normalizeH="0" baseline="0" noProof="0" dirty="0">
+                  <a:ln>
+                    <a:noFill/>
+                  </a:ln>
+                  <a:solidFill>
+                    <a:srgbClr val="404040"/>
+                  </a:solidFill>
+                  <a:effectLst/>
+                  <a:uLnTx/>
+                  <a:uFillTx/>
+                  <a:latin typeface="Arial" charset="0"/>
+                  <a:ea typeface="ＭＳ Ｐゴシック" charset="-128"/>
+                </a:endParaRPr>
+              </a:p>
+              <a:p>
+                <a:pPr marL="800100" marR="0" lvl="1" indent="-342900" algn="l" defTabSz="457200" rtl="0" eaLnBrk="1" fontAlgn="base" latinLnBrk="0" hangingPunct="1">
+                  <a:lnSpc>
+                    <a:spcPct val="100000"/>
+                  </a:lnSpc>
+                  <a:spcBef>
+                    <a:spcPct val="0"/>
+                  </a:spcBef>
+                  <a:spcAft>
+                    <a:spcPct val="0"/>
+                  </a:spcAft>
+                  <a:buClrTx/>
+                  <a:buSzTx/>
+                  <a:buFont typeface="Arial" panose="020B0604020202020204" pitchFamily="34" charset="0"/>
+                  <a:buChar char="•"/>
+                  <a:tabLst/>
+                  <a:defRPr/>
+                </a:pPr>
+                <a:r>
+                  <a:rPr kumimoji="0" lang="en-US" sz="2400" b="0" i="0" u="none" strike="noStrike" kern="1200" cap="none" spc="0" normalizeH="0" baseline="0" noProof="0" dirty="0">
+                    <a:ln>
+                      <a:noFill/>
+                    </a:ln>
+                    <a:solidFill>
+                      <a:srgbClr val="404040"/>
+                    </a:solidFill>
+                    <a:effectLst/>
+                    <a:uLnTx/>
+                    <a:uFillTx/>
+                    <a:latin typeface="Arial" charset="0"/>
+                    <a:ea typeface="ＭＳ Ｐゴシック" charset="-128"/>
+                  </a:rPr>
+                  <a:t>Table First, Graphics Second</a:t>
+                </a:r>
+              </a:p>
+            </p:txBody>
+          </p:sp>
+        </mc:Choice>
+        <mc:Fallback xmlns="">
+          <p:sp>
+            <p:nvSpPr>
+              <p:cNvPr id="6" name="TextBox 5">
+                <a:extLst>
+                  <a:ext uri="{FF2B5EF4-FFF2-40B4-BE49-F238E27FC236}">
+                    <a16:creationId xmlns:a16="http://schemas.microsoft.com/office/drawing/2014/main" id="{E828729A-F29C-423D-B49F-097B379344C5}"/>
+                  </a:ext>
+                </a:extLst>
+              </p:cNvPr>
+              <p:cNvSpPr txBox="1">
+                <a:spLocks noRot="1" noChangeAspect="1" noMove="1" noResize="1" noEditPoints="1" noAdjustHandles="1" noChangeArrowheads="1" noChangeShapeType="1" noTextEdit="1"/>
+              </p:cNvSpPr>
+              <p:nvPr/>
+            </p:nvSpPr>
+            <p:spPr>
+              <a:xfrm>
+                <a:off x="4129278" y="548634"/>
+                <a:ext cx="4953000" cy="5755743"/>
+              </a:xfrm>
+              <a:prstGeom prst="rect">
+                <a:avLst/>
+              </a:prstGeom>
+              <a:blipFill>
+                <a:blip r:embed="rId4"/>
+                <a:stretch>
+                  <a:fillRect l="-1599" t="-742" r="-738" b="-1589"/>
+                </a:stretch>
+              </a:blipFill>
+            </p:spPr>
+            <p:txBody>
+              <a:bodyPr/>
+              <a:lstStyle/>
+              <a:p>
+                <a:r>
+                  <a:rPr lang="en-US">
+                    <a:noFill/>
+                  </a:rPr>
+                  <a:t> </a:t>
+                </a:r>
+              </a:p>
+            </p:txBody>
+          </p:sp>
+        </mc:Fallback>
+      </mc:AlternateContent>
     </p:spTree>
     <p:custDataLst>
       <p:tags r:id="rId1"/>
     </p:custDataLst>
     <p:extLst>
       <p:ext uri="{BB962C8B-B14F-4D97-AF65-F5344CB8AC3E}">
-        <p14:creationId xmlns:p14="http://schemas.microsoft.com/office/powerpoint/2010/main" val="641320167"/>
+        <p14:creationId xmlns:p14="http://schemas.microsoft.com/office/powerpoint/2010/main" val="229741462"/>
       </p:ext>
     </p:extLst>
   </p:cSld>
@@ -8953,8 +10299,37 @@
           <a:bodyPr rtlCol="0" anchor="ctr"/>
           <a:lstStyle/>
           <a:p>
-            <a:pPr algn="ctr"/>
-            <a:endParaRPr lang="en-US"/>
+            <a:pPr marL="0" marR="0" lvl="0" indent="0" algn="ctr" defTabSz="457200" rtl="0" eaLnBrk="1" fontAlgn="base" latinLnBrk="0" hangingPunct="1">
+              <a:lnSpc>
+                <a:spcPct val="100000"/>
+              </a:lnSpc>
+              <a:spcBef>
+                <a:spcPct val="0"/>
+              </a:spcBef>
+              <a:spcAft>
+                <a:spcPct val="0"/>
+              </a:spcAft>
+              <a:buClrTx/>
+              <a:buSzTx/>
+              <a:buFontTx/>
+              <a:buNone/>
+              <a:tabLst/>
+              <a:defRPr/>
+            </a:pPr>
+            <a:endParaRPr kumimoji="0" lang="en-US" sz="2400" b="0" i="0" u="none" strike="noStrike" kern="1200" cap="none" spc="0" normalizeH="0" baseline="0" noProof="0">
+              <a:ln>
+                <a:noFill/>
+              </a:ln>
+              <a:solidFill>
+                <a:prstClr val="white"/>
+              </a:solidFill>
+              <a:effectLst/>
+              <a:uLnTx/>
+              <a:uFillTx/>
+              <a:latin typeface="Calibri"/>
+              <a:ea typeface="+mn-ea"/>
+              <a:cs typeface="+mn-cs"/>
+            </a:endParaRPr>
           </a:p>
         </p:txBody>
       </p:sp>
@@ -8992,7 +10367,2525 @@
               </a:lnSpc>
             </a:pPr>
             <a:r>
-              <a:rPr lang="en-US" sz="2400" kern="1200" dirty="0">
+              <a:rPr lang="en-US" sz="2400" dirty="0">
+                <a:solidFill>
+                  <a:schemeClr val="bg1"/>
+                </a:solidFill>
+                <a:ea typeface="+mj-ea"/>
+                <a:cs typeface="+mj-cs"/>
+              </a:rPr>
+              <a:t>Case Study</a:t>
+            </a:r>
+            <a:endParaRPr lang="en-US" sz="2400" kern="1200" dirty="0">
+              <a:solidFill>
+                <a:schemeClr val="bg1"/>
+              </a:solidFill>
+              <a:latin typeface="+mj-lt"/>
+              <a:ea typeface="+mj-ea"/>
+              <a:cs typeface="+mj-cs"/>
+            </a:endParaRPr>
+          </a:p>
+        </p:txBody>
+      </p:sp>
+      <p:pic>
+        <p:nvPicPr>
+          <p:cNvPr id="8" name="Picture 7">
+            <a:extLst>
+              <a:ext uri="{FF2B5EF4-FFF2-40B4-BE49-F238E27FC236}">
+                <a16:creationId xmlns:a16="http://schemas.microsoft.com/office/drawing/2014/main" id="{521D4292-9ECC-4DA5-8CC0-C561A0DA118E}"/>
+              </a:ext>
+            </a:extLst>
+          </p:cNvPr>
+          <p:cNvPicPr>
+            <a:picLocks noChangeAspect="1"/>
+          </p:cNvPicPr>
+          <p:nvPr/>
+        </p:nvPicPr>
+        <p:blipFill rotWithShape="1">
+          <a:blip r:embed="rId3"/>
+          <a:srcRect l="8000" r="9400"/>
+          <a:stretch/>
+        </p:blipFill>
+        <p:spPr>
+          <a:xfrm>
+            <a:off x="660103" y="3048000"/>
+            <a:ext cx="2167974" cy="2624666"/>
+          </a:xfrm>
+          <a:prstGeom prst="rect">
+            <a:avLst/>
+          </a:prstGeom>
+          <a:noFill/>
+        </p:spPr>
+      </p:pic>
+      <p:sp>
+        <p:nvSpPr>
+          <p:cNvPr id="4" name="TextBox 3">
+            <a:extLst>
+              <a:ext uri="{FF2B5EF4-FFF2-40B4-BE49-F238E27FC236}">
+                <a16:creationId xmlns:a16="http://schemas.microsoft.com/office/drawing/2014/main" id="{9B70DD5F-80AF-47A6-9622-DF0880C2AE63}"/>
+              </a:ext>
+            </a:extLst>
+          </p:cNvPr>
+          <p:cNvSpPr txBox="1"/>
+          <p:nvPr/>
+        </p:nvSpPr>
+        <p:spPr>
+          <a:xfrm>
+            <a:off x="3810000" y="643467"/>
+            <a:ext cx="4953000" cy="461665"/>
+          </a:xfrm>
+          <a:prstGeom prst="rect">
+            <a:avLst/>
+          </a:prstGeom>
+          <a:noFill/>
+        </p:spPr>
+        <p:txBody>
+          <a:bodyPr wrap="square" rtlCol="0">
+            <a:spAutoFit/>
+          </a:bodyPr>
+          <a:lstStyle/>
+          <a:p>
+            <a:pPr marL="342900" marR="0" lvl="0" indent="-342900" algn="l" defTabSz="457200" rtl="0" eaLnBrk="1" fontAlgn="base" latinLnBrk="0" hangingPunct="1">
+              <a:lnSpc>
+                <a:spcPct val="100000"/>
+              </a:lnSpc>
+              <a:spcBef>
+                <a:spcPct val="0"/>
+              </a:spcBef>
+              <a:spcAft>
+                <a:spcPct val="0"/>
+              </a:spcAft>
+              <a:buClrTx/>
+              <a:buSzTx/>
+              <a:buFont typeface="Arial" panose="020B0604020202020204" pitchFamily="34" charset="0"/>
+              <a:buChar char="•"/>
+              <a:tabLst/>
+              <a:defRPr/>
+            </a:pPr>
+            <a:endParaRPr kumimoji="0" lang="en-US" sz="2400" b="0" i="0" u="none" strike="noStrike" kern="1200" cap="none" spc="0" normalizeH="0" baseline="0" noProof="0" dirty="0">
+              <a:ln>
+                <a:noFill/>
+              </a:ln>
+              <a:solidFill>
+                <a:srgbClr val="404040"/>
+              </a:solidFill>
+              <a:effectLst/>
+              <a:uLnTx/>
+              <a:uFillTx/>
+              <a:latin typeface="Arial" charset="0"/>
+              <a:ea typeface="ＭＳ Ｐゴシック" charset="-128"/>
+            </a:endParaRPr>
+          </a:p>
+        </p:txBody>
+      </p:sp>
+      <p:sp>
+        <p:nvSpPr>
+          <p:cNvPr id="6" name="TextBox 5">
+            <a:extLst>
+              <a:ext uri="{FF2B5EF4-FFF2-40B4-BE49-F238E27FC236}">
+                <a16:creationId xmlns:a16="http://schemas.microsoft.com/office/drawing/2014/main" id="{E828729A-F29C-423D-B49F-097B379344C5}"/>
+              </a:ext>
+            </a:extLst>
+          </p:cNvPr>
+          <p:cNvSpPr txBox="1"/>
+          <p:nvPr/>
+        </p:nvSpPr>
+        <p:spPr>
+          <a:xfrm>
+            <a:off x="4129278" y="548634"/>
+            <a:ext cx="4953000" cy="3416320"/>
+          </a:xfrm>
+          <a:prstGeom prst="rect">
+            <a:avLst/>
+          </a:prstGeom>
+          <a:noFill/>
+        </p:spPr>
+        <p:txBody>
+          <a:bodyPr wrap="square" rtlCol="0">
+            <a:spAutoFit/>
+          </a:bodyPr>
+          <a:lstStyle/>
+          <a:p>
+            <a:pPr marL="342900" marR="0" lvl="0" indent="-342900" algn="l" defTabSz="457200" rtl="0" eaLnBrk="1" fontAlgn="base" latinLnBrk="0" hangingPunct="1">
+              <a:lnSpc>
+                <a:spcPct val="100000"/>
+              </a:lnSpc>
+              <a:spcBef>
+                <a:spcPct val="0"/>
+              </a:spcBef>
+              <a:spcAft>
+                <a:spcPct val="0"/>
+              </a:spcAft>
+              <a:buClrTx/>
+              <a:buSzTx/>
+              <a:buFont typeface="Arial" panose="020B0604020202020204" pitchFamily="34" charset="0"/>
+              <a:buChar char="•"/>
+              <a:tabLst/>
+              <a:defRPr/>
+            </a:pPr>
+            <a:r>
+              <a:rPr kumimoji="0" lang="en-US" sz="2400" b="0" i="0" u="none" strike="noStrike" kern="1200" cap="none" spc="0" normalizeH="0" baseline="0" noProof="0" dirty="0">
+                <a:ln>
+                  <a:noFill/>
+                </a:ln>
+                <a:solidFill>
+                  <a:srgbClr val="404040"/>
+                </a:solidFill>
+                <a:effectLst/>
+                <a:uLnTx/>
+                <a:uFillTx/>
+                <a:latin typeface="Arial" charset="0"/>
+                <a:ea typeface="ＭＳ Ｐゴシック" charset="-128"/>
+              </a:rPr>
+              <a:t>Summary Table</a:t>
+            </a:r>
+          </a:p>
+          <a:p>
+            <a:pPr marL="0" marR="0" lvl="0" indent="0" algn="l" defTabSz="457200" rtl="0" eaLnBrk="1" fontAlgn="base" latinLnBrk="0" hangingPunct="1">
+              <a:lnSpc>
+                <a:spcPct val="100000"/>
+              </a:lnSpc>
+              <a:spcBef>
+                <a:spcPct val="0"/>
+              </a:spcBef>
+              <a:spcAft>
+                <a:spcPct val="0"/>
+              </a:spcAft>
+              <a:buClrTx/>
+              <a:buSzTx/>
+              <a:buFontTx/>
+              <a:buNone/>
+              <a:tabLst/>
+              <a:defRPr/>
+            </a:pPr>
+            <a:endParaRPr kumimoji="0" lang="en-US" sz="2400" b="0" i="0" u="none" strike="noStrike" kern="1200" cap="none" spc="0" normalizeH="0" baseline="0" noProof="0" dirty="0">
+              <a:ln>
+                <a:noFill/>
+              </a:ln>
+              <a:solidFill>
+                <a:srgbClr val="404040"/>
+              </a:solidFill>
+              <a:effectLst/>
+              <a:uLnTx/>
+              <a:uFillTx/>
+              <a:latin typeface="Arial" charset="0"/>
+              <a:ea typeface="ＭＳ Ｐゴシック" charset="-128"/>
+            </a:endParaRPr>
+          </a:p>
+          <a:p>
+            <a:pPr marL="800100" marR="0" lvl="1" indent="-342900" algn="l" defTabSz="457200" rtl="0" eaLnBrk="1" fontAlgn="base" latinLnBrk="0" hangingPunct="1">
+              <a:lnSpc>
+                <a:spcPct val="100000"/>
+              </a:lnSpc>
+              <a:spcBef>
+                <a:spcPct val="0"/>
+              </a:spcBef>
+              <a:spcAft>
+                <a:spcPct val="0"/>
+              </a:spcAft>
+              <a:buClrTx/>
+              <a:buSzTx/>
+              <a:buFont typeface="Arial" panose="020B0604020202020204" pitchFamily="34" charset="0"/>
+              <a:buChar char="•"/>
+              <a:tabLst/>
+              <a:defRPr/>
+            </a:pPr>
+            <a:r>
+              <a:rPr kumimoji="0" lang="en-US" sz="2400" b="0" i="0" u="none" strike="noStrike" kern="1200" cap="none" spc="0" normalizeH="0" baseline="0" noProof="0" dirty="0">
+                <a:ln>
+                  <a:noFill/>
+                </a:ln>
+                <a:solidFill>
+                  <a:srgbClr val="404040"/>
+                </a:solidFill>
+                <a:effectLst/>
+                <a:uLnTx/>
+                <a:uFillTx/>
+                <a:latin typeface="Arial" charset="0"/>
+                <a:ea typeface="ＭＳ Ｐゴシック" charset="-128"/>
+              </a:rPr>
+              <a:t>Step 1: Accuracy Variable</a:t>
+            </a:r>
+          </a:p>
+          <a:p>
+            <a:pPr marL="800100" marR="0" lvl="1" indent="-342900" algn="l" defTabSz="457200" rtl="0" eaLnBrk="1" fontAlgn="base" latinLnBrk="0" hangingPunct="1">
+              <a:lnSpc>
+                <a:spcPct val="100000"/>
+              </a:lnSpc>
+              <a:spcBef>
+                <a:spcPct val="0"/>
+              </a:spcBef>
+              <a:spcAft>
+                <a:spcPct val="0"/>
+              </a:spcAft>
+              <a:buClrTx/>
+              <a:buSzTx/>
+              <a:buFont typeface="Arial" panose="020B0604020202020204" pitchFamily="34" charset="0"/>
+              <a:buChar char="•"/>
+              <a:tabLst/>
+              <a:defRPr/>
+            </a:pPr>
+            <a:r>
+              <a:rPr kumimoji="0" lang="en-US" sz="2400" b="0" i="0" u="none" strike="noStrike" kern="1200" cap="none" spc="0" normalizeH="0" baseline="0" noProof="0" dirty="0">
+                <a:ln>
+                  <a:noFill/>
+                </a:ln>
+                <a:solidFill>
+                  <a:srgbClr val="404040"/>
+                </a:solidFill>
+                <a:effectLst/>
+                <a:uLnTx/>
+                <a:uFillTx/>
+                <a:latin typeface="Arial" charset="0"/>
+                <a:ea typeface="ＭＳ Ｐゴシック" charset="-128"/>
+              </a:rPr>
+              <a:t>Step 2: Grouping</a:t>
+            </a:r>
+          </a:p>
+          <a:p>
+            <a:pPr marL="800100" marR="0" lvl="1" indent="-342900" algn="l" defTabSz="457200" rtl="0" eaLnBrk="1" fontAlgn="base" latinLnBrk="0" hangingPunct="1">
+              <a:lnSpc>
+                <a:spcPct val="100000"/>
+              </a:lnSpc>
+              <a:spcBef>
+                <a:spcPct val="0"/>
+              </a:spcBef>
+              <a:spcAft>
+                <a:spcPct val="0"/>
+              </a:spcAft>
+              <a:buClrTx/>
+              <a:buSzTx/>
+              <a:buFont typeface="Arial" panose="020B0604020202020204" pitchFamily="34" charset="0"/>
+              <a:buChar char="•"/>
+              <a:tabLst/>
+              <a:defRPr/>
+            </a:pPr>
+            <a:r>
+              <a:rPr kumimoji="0" lang="en-US" sz="2400" b="0" i="0" u="none" strike="noStrike" kern="1200" cap="none" spc="0" normalizeH="0" baseline="0" noProof="0" dirty="0">
+                <a:ln>
+                  <a:noFill/>
+                </a:ln>
+                <a:solidFill>
+                  <a:srgbClr val="404040"/>
+                </a:solidFill>
+                <a:effectLst/>
+                <a:uLnTx/>
+                <a:uFillTx/>
+                <a:latin typeface="Arial" charset="0"/>
+                <a:ea typeface="ＭＳ Ｐゴシック" charset="-128"/>
+              </a:rPr>
+              <a:t>Step 3: Summarize Info</a:t>
+            </a:r>
+          </a:p>
+          <a:p>
+            <a:pPr marL="1257300" marR="0" lvl="2" indent="-342900" algn="l" defTabSz="457200" rtl="0" eaLnBrk="1" fontAlgn="base" latinLnBrk="0" hangingPunct="1">
+              <a:lnSpc>
+                <a:spcPct val="100000"/>
+              </a:lnSpc>
+              <a:spcBef>
+                <a:spcPct val="0"/>
+              </a:spcBef>
+              <a:spcAft>
+                <a:spcPct val="0"/>
+              </a:spcAft>
+              <a:buClrTx/>
+              <a:buSzTx/>
+              <a:buFont typeface="Arial" panose="020B0604020202020204" pitchFamily="34" charset="0"/>
+              <a:buChar char="•"/>
+              <a:tabLst/>
+              <a:defRPr/>
+            </a:pPr>
+            <a:r>
+              <a:rPr kumimoji="0" lang="en-US" sz="2400" b="0" i="0" u="none" strike="noStrike" kern="1200" cap="none" spc="0" normalizeH="0" baseline="0" noProof="0" dirty="0">
+                <a:ln>
+                  <a:noFill/>
+                </a:ln>
+                <a:solidFill>
+                  <a:srgbClr val="404040"/>
+                </a:solidFill>
+                <a:effectLst/>
+                <a:uLnTx/>
+                <a:uFillTx/>
+                <a:latin typeface="Arial" charset="0"/>
+                <a:ea typeface="ＭＳ Ｐゴシック" charset="-128"/>
+              </a:rPr>
+              <a:t>Mean</a:t>
+            </a:r>
+          </a:p>
+          <a:p>
+            <a:pPr marL="1257300" marR="0" lvl="2" indent="-342900" algn="l" defTabSz="457200" rtl="0" eaLnBrk="1" fontAlgn="base" latinLnBrk="0" hangingPunct="1">
+              <a:lnSpc>
+                <a:spcPct val="100000"/>
+              </a:lnSpc>
+              <a:spcBef>
+                <a:spcPct val="0"/>
+              </a:spcBef>
+              <a:spcAft>
+                <a:spcPct val="0"/>
+              </a:spcAft>
+              <a:buClrTx/>
+              <a:buSzTx/>
+              <a:buFont typeface="Arial" panose="020B0604020202020204" pitchFamily="34" charset="0"/>
+              <a:buChar char="•"/>
+              <a:tabLst/>
+              <a:defRPr/>
+            </a:pPr>
+            <a:r>
+              <a:rPr kumimoji="0" lang="en-US" sz="2400" b="0" i="0" u="none" strike="noStrike" kern="1200" cap="none" spc="0" normalizeH="0" baseline="0" noProof="0" dirty="0">
+                <a:ln>
+                  <a:noFill/>
+                </a:ln>
+                <a:solidFill>
+                  <a:srgbClr val="404040"/>
+                </a:solidFill>
+                <a:effectLst/>
+                <a:uLnTx/>
+                <a:uFillTx/>
+                <a:latin typeface="Arial" charset="0"/>
+                <a:ea typeface="ＭＳ Ｐゴシック" charset="-128"/>
+              </a:rPr>
+              <a:t>Standard Error</a:t>
+            </a:r>
+          </a:p>
+          <a:p>
+            <a:pPr marL="1257300" marR="0" lvl="2" indent="-342900" algn="l" defTabSz="457200" rtl="0" eaLnBrk="1" fontAlgn="base" latinLnBrk="0" hangingPunct="1">
+              <a:lnSpc>
+                <a:spcPct val="100000"/>
+              </a:lnSpc>
+              <a:spcBef>
+                <a:spcPct val="0"/>
+              </a:spcBef>
+              <a:spcAft>
+                <a:spcPct val="0"/>
+              </a:spcAft>
+              <a:buClrTx/>
+              <a:buSzTx/>
+              <a:buFont typeface="Arial" panose="020B0604020202020204" pitchFamily="34" charset="0"/>
+              <a:buChar char="•"/>
+              <a:tabLst/>
+              <a:defRPr/>
+            </a:pPr>
+            <a:r>
+              <a:rPr kumimoji="0" lang="en-US" sz="2400" b="0" i="0" u="none" strike="noStrike" kern="1200" cap="none" spc="0" normalizeH="0" baseline="0" noProof="0" dirty="0">
+                <a:ln>
+                  <a:noFill/>
+                </a:ln>
+                <a:solidFill>
+                  <a:srgbClr val="404040"/>
+                </a:solidFill>
+                <a:effectLst/>
+                <a:uLnTx/>
+                <a:uFillTx/>
+                <a:latin typeface="Arial" charset="0"/>
+                <a:ea typeface="ＭＳ Ｐゴシック" charset="-128"/>
+              </a:rPr>
+              <a:t>Lower Bound (95% CI)</a:t>
+            </a:r>
+          </a:p>
+          <a:p>
+            <a:pPr marL="1257300" marR="0" lvl="2" indent="-342900" algn="l" defTabSz="457200" rtl="0" eaLnBrk="1" fontAlgn="base" latinLnBrk="0" hangingPunct="1">
+              <a:lnSpc>
+                <a:spcPct val="100000"/>
+              </a:lnSpc>
+              <a:spcBef>
+                <a:spcPct val="0"/>
+              </a:spcBef>
+              <a:spcAft>
+                <a:spcPct val="0"/>
+              </a:spcAft>
+              <a:buClrTx/>
+              <a:buSzTx/>
+              <a:buFont typeface="Arial" panose="020B0604020202020204" pitchFamily="34" charset="0"/>
+              <a:buChar char="•"/>
+              <a:tabLst/>
+              <a:defRPr/>
+            </a:pPr>
+            <a:r>
+              <a:rPr kumimoji="0" lang="en-US" sz="2400" b="0" i="0" u="none" strike="noStrike" kern="1200" cap="none" spc="0" normalizeH="0" baseline="0" noProof="0" dirty="0">
+                <a:ln>
+                  <a:noFill/>
+                </a:ln>
+                <a:solidFill>
+                  <a:srgbClr val="404040"/>
+                </a:solidFill>
+                <a:effectLst/>
+                <a:uLnTx/>
+                <a:uFillTx/>
+                <a:latin typeface="Arial" charset="0"/>
+                <a:ea typeface="ＭＳ Ｐゴシック" charset="-128"/>
+              </a:rPr>
+              <a:t>Upper Bound (95% CI) </a:t>
+            </a:r>
+          </a:p>
+        </p:txBody>
+      </p:sp>
+      <p:pic>
+        <p:nvPicPr>
+          <p:cNvPr id="3" name="Picture 2">
+            <a:extLst>
+              <a:ext uri="{FF2B5EF4-FFF2-40B4-BE49-F238E27FC236}">
+                <a16:creationId xmlns:a16="http://schemas.microsoft.com/office/drawing/2014/main" id="{0AE24FF2-B943-447C-A4E4-EF56A025CC14}"/>
+              </a:ext>
+            </a:extLst>
+          </p:cNvPr>
+          <p:cNvPicPr>
+            <a:picLocks noChangeAspect="1"/>
+          </p:cNvPicPr>
+          <p:nvPr/>
+        </p:nvPicPr>
+        <p:blipFill>
+          <a:blip r:embed="rId4"/>
+          <a:stretch>
+            <a:fillRect/>
+          </a:stretch>
+        </p:blipFill>
+        <p:spPr>
+          <a:xfrm>
+            <a:off x="3581399" y="4020226"/>
+            <a:ext cx="5492965" cy="2532974"/>
+          </a:xfrm>
+          <a:prstGeom prst="rect">
+            <a:avLst/>
+          </a:prstGeom>
+          <a:ln>
+            <a:solidFill>
+              <a:srgbClr val="404040"/>
+            </a:solidFill>
+          </a:ln>
+        </p:spPr>
+        <p:style>
+          <a:lnRef idx="2">
+            <a:schemeClr val="dk1"/>
+          </a:lnRef>
+          <a:fillRef idx="1">
+            <a:schemeClr val="lt1"/>
+          </a:fillRef>
+          <a:effectRef idx="0">
+            <a:schemeClr val="dk1"/>
+          </a:effectRef>
+          <a:fontRef idx="minor">
+            <a:schemeClr val="dk1"/>
+          </a:fontRef>
+        </p:style>
+      </p:pic>
+    </p:spTree>
+    <p:custDataLst>
+      <p:tags r:id="rId1"/>
+    </p:custDataLst>
+    <p:extLst>
+      <p:ext uri="{BB962C8B-B14F-4D97-AF65-F5344CB8AC3E}">
+        <p14:creationId xmlns:p14="http://schemas.microsoft.com/office/powerpoint/2010/main" val="3818091161"/>
+      </p:ext>
+    </p:extLst>
+  </p:cSld>
+  <p:clrMapOvr>
+    <a:masterClrMapping/>
+  </p:clrMapOvr>
+</p:sld>
+</file>
+
+<file path=ppt/slides/slide4.xml><?xml version="1.0" encoding="utf-8"?>
+<p:sld xmlns:a="http://schemas.openxmlformats.org/drawingml/2006/main" xmlns:r="http://schemas.openxmlformats.org/officeDocument/2006/relationships" xmlns:p="http://schemas.openxmlformats.org/presentationml/2006/main">
+  <p:cSld>
+    <p:bg>
+      <p:bgPr>
+        <a:solidFill>
+          <a:schemeClr val="bg1">
+            <a:lumMod val="85000"/>
+          </a:schemeClr>
+        </a:solidFill>
+        <a:effectLst/>
+      </p:bgPr>
+    </p:bg>
+    <p:spTree>
+      <p:nvGrpSpPr>
+        <p:cNvPr id="1" name=""/>
+        <p:cNvGrpSpPr/>
+        <p:nvPr/>
+      </p:nvGrpSpPr>
+      <p:grpSpPr>
+        <a:xfrm>
+          <a:off x="0" y="0"/>
+          <a:ext cx="0" cy="0"/>
+          <a:chOff x="0" y="0"/>
+          <a:chExt cx="0" cy="0"/>
+        </a:xfrm>
+      </p:grpSpPr>
+      <p:sp>
+        <p:nvSpPr>
+          <p:cNvPr id="15" name="Rectangle 12">
+            <a:extLst>
+              <a:ext uri="{FF2B5EF4-FFF2-40B4-BE49-F238E27FC236}">
+                <a16:creationId xmlns:a16="http://schemas.microsoft.com/office/drawing/2014/main" id="{867D4867-5BA7-4462-B2F6-A23F4A622AA7}"/>
+              </a:ext>
+              <a:ext uri="{C183D7F6-B498-43B3-948B-1728B52AA6E4}">
+                <adec:decorative xmlns:adec="http://schemas.microsoft.com/office/drawing/2017/decorative" val="1"/>
+              </a:ext>
+            </a:extLst>
+          </p:cNvPr>
+          <p:cNvSpPr>
+            <a:spLocks noGrp="1" noRot="1" noChangeAspect="1" noMove="1" noResize="1" noEditPoints="1" noAdjustHandles="1" noChangeArrowheads="1" noChangeShapeType="1" noTextEdit="1"/>
+          </p:cNvSpPr>
+          <p:nvPr>
+            <p:extLst>
+              <p:ext uri="{386F3935-93C4-4BCD-93E2-E3B085C9AB24}">
+                <p16:designElem xmlns:p16="http://schemas.microsoft.com/office/powerpoint/2015/main" val="1"/>
+              </p:ext>
+            </p:extLst>
+          </p:nvPr>
+        </p:nvSpPr>
+        <p:spPr>
+          <a:xfrm>
+            <a:off x="0" y="0"/>
+            <a:ext cx="3490722" cy="6858000"/>
+          </a:xfrm>
+          <a:prstGeom prst="rect">
+            <a:avLst/>
+          </a:prstGeom>
+          <a:solidFill>
+            <a:schemeClr val="tx1">
+              <a:lumMod val="75000"/>
+              <a:lumOff val="25000"/>
+            </a:schemeClr>
+          </a:solidFill>
+          <a:ln>
+            <a:noFill/>
+          </a:ln>
+        </p:spPr>
+        <p:style>
+          <a:lnRef idx="0">
+            <a:scrgbClr r="0" g="0" b="0"/>
+          </a:lnRef>
+          <a:fillRef idx="0">
+            <a:scrgbClr r="0" g="0" b="0"/>
+          </a:fillRef>
+          <a:effectRef idx="0">
+            <a:scrgbClr r="0" g="0" b="0"/>
+          </a:effectRef>
+          <a:fontRef idx="minor">
+            <a:schemeClr val="lt1"/>
+          </a:fontRef>
+        </p:style>
+        <p:txBody>
+          <a:bodyPr rtlCol="0" anchor="ctr"/>
+          <a:lstStyle/>
+          <a:p>
+            <a:pPr marL="0" marR="0" lvl="0" indent="0" algn="ctr" defTabSz="457200" rtl="0" eaLnBrk="1" fontAlgn="base" latinLnBrk="0" hangingPunct="1">
+              <a:lnSpc>
+                <a:spcPct val="100000"/>
+              </a:lnSpc>
+              <a:spcBef>
+                <a:spcPct val="0"/>
+              </a:spcBef>
+              <a:spcAft>
+                <a:spcPct val="0"/>
+              </a:spcAft>
+              <a:buClrTx/>
+              <a:buSzTx/>
+              <a:buFontTx/>
+              <a:buNone/>
+              <a:tabLst/>
+              <a:defRPr/>
+            </a:pPr>
+            <a:endParaRPr kumimoji="0" lang="en-US" sz="2400" b="0" i="0" u="none" strike="noStrike" kern="1200" cap="none" spc="0" normalizeH="0" baseline="0" noProof="0">
+              <a:ln>
+                <a:noFill/>
+              </a:ln>
+              <a:solidFill>
+                <a:prstClr val="white"/>
+              </a:solidFill>
+              <a:effectLst/>
+              <a:uLnTx/>
+              <a:uFillTx/>
+              <a:latin typeface="Calibri"/>
+              <a:ea typeface="+mn-ea"/>
+              <a:cs typeface="+mn-cs"/>
+            </a:endParaRPr>
+          </a:p>
+        </p:txBody>
+      </p:sp>
+      <p:sp>
+        <p:nvSpPr>
+          <p:cNvPr id="2" name="Title 1"/>
+          <p:cNvSpPr>
+            <a:spLocks noGrp="1"/>
+          </p:cNvSpPr>
+          <p:nvPr>
+            <p:ph type="title"/>
+          </p:nvPr>
+        </p:nvSpPr>
+        <p:spPr>
+          <a:xfrm>
+            <a:off x="482600" y="643467"/>
+            <a:ext cx="2522980" cy="1597315"/>
+          </a:xfrm>
+          <a:noFill/>
+          <a:ln w="19050">
+            <a:solidFill>
+              <a:schemeClr val="bg1"/>
+            </a:solidFill>
+          </a:ln>
+        </p:spPr>
+        <p:txBody>
+          <a:bodyPr vert="horz" wrap="square" lIns="91440" tIns="45720" rIns="91440" bIns="45720" rtlCol="0" anchor="ctr">
+            <a:normAutofit/>
+          </a:bodyPr>
+          <a:lstStyle/>
+          <a:p>
+            <a:pPr defTabSz="914400" eaLnBrk="1" hangingPunct="1">
+              <a:lnSpc>
+                <a:spcPct val="90000"/>
+              </a:lnSpc>
+            </a:pPr>
+            <a:r>
+              <a:rPr lang="en-US" sz="2400" dirty="0">
+                <a:solidFill>
+                  <a:schemeClr val="bg1"/>
+                </a:solidFill>
+                <a:ea typeface="+mj-ea"/>
+                <a:cs typeface="+mj-cs"/>
+              </a:rPr>
+              <a:t>Case Study</a:t>
+            </a:r>
+            <a:endParaRPr lang="en-US" sz="2400" kern="1200" dirty="0">
+              <a:solidFill>
+                <a:schemeClr val="bg1"/>
+              </a:solidFill>
+              <a:latin typeface="+mj-lt"/>
+              <a:ea typeface="+mj-ea"/>
+              <a:cs typeface="+mj-cs"/>
+            </a:endParaRPr>
+          </a:p>
+        </p:txBody>
+      </p:sp>
+      <p:pic>
+        <p:nvPicPr>
+          <p:cNvPr id="8" name="Picture 7">
+            <a:extLst>
+              <a:ext uri="{FF2B5EF4-FFF2-40B4-BE49-F238E27FC236}">
+                <a16:creationId xmlns:a16="http://schemas.microsoft.com/office/drawing/2014/main" id="{521D4292-9ECC-4DA5-8CC0-C561A0DA118E}"/>
+              </a:ext>
+            </a:extLst>
+          </p:cNvPr>
+          <p:cNvPicPr>
+            <a:picLocks noChangeAspect="1"/>
+          </p:cNvPicPr>
+          <p:nvPr/>
+        </p:nvPicPr>
+        <p:blipFill rotWithShape="1">
+          <a:blip r:embed="rId3"/>
+          <a:srcRect l="8000" r="9400"/>
+          <a:stretch/>
+        </p:blipFill>
+        <p:spPr>
+          <a:xfrm>
+            <a:off x="660103" y="3048000"/>
+            <a:ext cx="2167974" cy="2624666"/>
+          </a:xfrm>
+          <a:prstGeom prst="rect">
+            <a:avLst/>
+          </a:prstGeom>
+          <a:noFill/>
+        </p:spPr>
+      </p:pic>
+      <p:sp>
+        <p:nvSpPr>
+          <p:cNvPr id="4" name="TextBox 3">
+            <a:extLst>
+              <a:ext uri="{FF2B5EF4-FFF2-40B4-BE49-F238E27FC236}">
+                <a16:creationId xmlns:a16="http://schemas.microsoft.com/office/drawing/2014/main" id="{9B70DD5F-80AF-47A6-9622-DF0880C2AE63}"/>
+              </a:ext>
+            </a:extLst>
+          </p:cNvPr>
+          <p:cNvSpPr txBox="1"/>
+          <p:nvPr/>
+        </p:nvSpPr>
+        <p:spPr>
+          <a:xfrm>
+            <a:off x="3810000" y="643467"/>
+            <a:ext cx="4953000" cy="461665"/>
+          </a:xfrm>
+          <a:prstGeom prst="rect">
+            <a:avLst/>
+          </a:prstGeom>
+          <a:noFill/>
+        </p:spPr>
+        <p:txBody>
+          <a:bodyPr wrap="square" rtlCol="0">
+            <a:spAutoFit/>
+          </a:bodyPr>
+          <a:lstStyle/>
+          <a:p>
+            <a:pPr marL="342900" marR="0" lvl="0" indent="-342900" algn="l" defTabSz="457200" rtl="0" eaLnBrk="1" fontAlgn="base" latinLnBrk="0" hangingPunct="1">
+              <a:lnSpc>
+                <a:spcPct val="100000"/>
+              </a:lnSpc>
+              <a:spcBef>
+                <a:spcPct val="0"/>
+              </a:spcBef>
+              <a:spcAft>
+                <a:spcPct val="0"/>
+              </a:spcAft>
+              <a:buClrTx/>
+              <a:buSzTx/>
+              <a:buFont typeface="Arial" panose="020B0604020202020204" pitchFamily="34" charset="0"/>
+              <a:buChar char="•"/>
+              <a:tabLst/>
+              <a:defRPr/>
+            </a:pPr>
+            <a:endParaRPr kumimoji="0" lang="en-US" sz="2400" b="0" i="0" u="none" strike="noStrike" kern="1200" cap="none" spc="0" normalizeH="0" baseline="0" noProof="0" dirty="0">
+              <a:ln>
+                <a:noFill/>
+              </a:ln>
+              <a:solidFill>
+                <a:srgbClr val="404040"/>
+              </a:solidFill>
+              <a:effectLst/>
+              <a:uLnTx/>
+              <a:uFillTx/>
+              <a:latin typeface="Arial" charset="0"/>
+              <a:ea typeface="ＭＳ Ｐゴシック" charset="-128"/>
+            </a:endParaRPr>
+          </a:p>
+        </p:txBody>
+      </p:sp>
+      <p:sp>
+        <p:nvSpPr>
+          <p:cNvPr id="6" name="TextBox 5">
+            <a:extLst>
+              <a:ext uri="{FF2B5EF4-FFF2-40B4-BE49-F238E27FC236}">
+                <a16:creationId xmlns:a16="http://schemas.microsoft.com/office/drawing/2014/main" id="{E828729A-F29C-423D-B49F-097B379344C5}"/>
+              </a:ext>
+            </a:extLst>
+          </p:cNvPr>
+          <p:cNvSpPr txBox="1"/>
+          <p:nvPr/>
+        </p:nvSpPr>
+        <p:spPr>
+          <a:xfrm>
+            <a:off x="4129278" y="548634"/>
+            <a:ext cx="4953000" cy="4154984"/>
+          </a:xfrm>
+          <a:prstGeom prst="rect">
+            <a:avLst/>
+          </a:prstGeom>
+          <a:noFill/>
+        </p:spPr>
+        <p:txBody>
+          <a:bodyPr wrap="square" rtlCol="0">
+            <a:spAutoFit/>
+          </a:bodyPr>
+          <a:lstStyle/>
+          <a:p>
+            <a:pPr marL="342900" marR="0" lvl="0" indent="-342900" algn="l" defTabSz="457200" rtl="0" eaLnBrk="1" fontAlgn="base" latinLnBrk="0" hangingPunct="1">
+              <a:lnSpc>
+                <a:spcPct val="100000"/>
+              </a:lnSpc>
+              <a:spcBef>
+                <a:spcPct val="0"/>
+              </a:spcBef>
+              <a:spcAft>
+                <a:spcPct val="0"/>
+              </a:spcAft>
+              <a:buClrTx/>
+              <a:buSzTx/>
+              <a:buFont typeface="Arial" panose="020B0604020202020204" pitchFamily="34" charset="0"/>
+              <a:buChar char="•"/>
+              <a:tabLst/>
+              <a:defRPr/>
+            </a:pPr>
+            <a:r>
+              <a:rPr kumimoji="0" lang="en-US" sz="2400" b="0" i="0" u="none" strike="noStrike" kern="1200" cap="none" spc="0" normalizeH="0" baseline="0" noProof="0" dirty="0">
+                <a:ln>
+                  <a:noFill/>
+                </a:ln>
+                <a:solidFill>
+                  <a:srgbClr val="404040"/>
+                </a:solidFill>
+                <a:effectLst/>
+                <a:uLnTx/>
+                <a:uFillTx/>
+                <a:latin typeface="Arial" charset="0"/>
+                <a:ea typeface="ＭＳ Ｐゴシック" charset="-128"/>
+              </a:rPr>
+              <a:t>Sorted by Average Accuracy</a:t>
+            </a:r>
+          </a:p>
+          <a:p>
+            <a:pPr marL="800100" marR="0" lvl="1" indent="-342900" algn="l" defTabSz="457200" rtl="0" eaLnBrk="1" fontAlgn="base" latinLnBrk="0" hangingPunct="1">
+              <a:lnSpc>
+                <a:spcPct val="100000"/>
+              </a:lnSpc>
+              <a:spcBef>
+                <a:spcPct val="0"/>
+              </a:spcBef>
+              <a:spcAft>
+                <a:spcPct val="0"/>
+              </a:spcAft>
+              <a:buClrTx/>
+              <a:buSzTx/>
+              <a:buFont typeface="Arial" panose="020B0604020202020204" pitchFamily="34" charset="0"/>
+              <a:buChar char="•"/>
+              <a:tabLst/>
+              <a:defRPr/>
+            </a:pPr>
+            <a:r>
+              <a:rPr kumimoji="0" lang="en-US" sz="2400" b="0" i="0" u="none" strike="noStrike" kern="1200" cap="none" spc="0" normalizeH="0" baseline="0" noProof="0" dirty="0">
+                <a:ln>
+                  <a:noFill/>
+                </a:ln>
+                <a:solidFill>
+                  <a:srgbClr val="404040"/>
+                </a:solidFill>
+                <a:effectLst/>
+                <a:uLnTx/>
+                <a:uFillTx/>
+                <a:latin typeface="Arial" charset="0"/>
+                <a:ea typeface="ＭＳ Ｐゴシック" charset="-128"/>
+              </a:rPr>
+              <a:t>Best Carriers/Origin</a:t>
+            </a:r>
+          </a:p>
+          <a:p>
+            <a:pPr marL="800100" marR="0" lvl="1" indent="-342900" algn="l" defTabSz="457200" rtl="0" eaLnBrk="1" fontAlgn="base" latinLnBrk="0" hangingPunct="1">
+              <a:lnSpc>
+                <a:spcPct val="100000"/>
+              </a:lnSpc>
+              <a:spcBef>
+                <a:spcPct val="0"/>
+              </a:spcBef>
+              <a:spcAft>
+                <a:spcPct val="0"/>
+              </a:spcAft>
+              <a:buClrTx/>
+              <a:buSzTx/>
+              <a:buFont typeface="Arial" panose="020B0604020202020204" pitchFamily="34" charset="0"/>
+              <a:buChar char="•"/>
+              <a:tabLst/>
+              <a:defRPr/>
+            </a:pPr>
+            <a:endParaRPr kumimoji="0" lang="en-US" sz="2400" b="0" i="0" u="none" strike="noStrike" kern="1200" cap="none" spc="0" normalizeH="0" baseline="0" noProof="0" dirty="0">
+              <a:ln>
+                <a:noFill/>
+              </a:ln>
+              <a:solidFill>
+                <a:srgbClr val="404040"/>
+              </a:solidFill>
+              <a:effectLst/>
+              <a:uLnTx/>
+              <a:uFillTx/>
+              <a:latin typeface="Arial" charset="0"/>
+              <a:ea typeface="ＭＳ Ｐゴシック" charset="-128"/>
+            </a:endParaRPr>
+          </a:p>
+          <a:p>
+            <a:pPr marL="800100" marR="0" lvl="1" indent="-342900" algn="l" defTabSz="457200" rtl="0" eaLnBrk="1" fontAlgn="base" latinLnBrk="0" hangingPunct="1">
+              <a:lnSpc>
+                <a:spcPct val="100000"/>
+              </a:lnSpc>
+              <a:spcBef>
+                <a:spcPct val="0"/>
+              </a:spcBef>
+              <a:spcAft>
+                <a:spcPct val="0"/>
+              </a:spcAft>
+              <a:buClrTx/>
+              <a:buSzTx/>
+              <a:buFont typeface="Arial" panose="020B0604020202020204" pitchFamily="34" charset="0"/>
+              <a:buChar char="•"/>
+              <a:tabLst/>
+              <a:defRPr/>
+            </a:pPr>
+            <a:endParaRPr kumimoji="0" lang="en-US" sz="2400" b="0" i="0" u="none" strike="noStrike" kern="1200" cap="none" spc="0" normalizeH="0" baseline="0" noProof="0" dirty="0">
+              <a:ln>
+                <a:noFill/>
+              </a:ln>
+              <a:solidFill>
+                <a:srgbClr val="404040"/>
+              </a:solidFill>
+              <a:effectLst/>
+              <a:uLnTx/>
+              <a:uFillTx/>
+              <a:latin typeface="Arial" charset="0"/>
+              <a:ea typeface="ＭＳ Ｐゴシック" charset="-128"/>
+            </a:endParaRPr>
+          </a:p>
+          <a:p>
+            <a:pPr marL="800100" marR="0" lvl="1" indent="-342900" algn="l" defTabSz="457200" rtl="0" eaLnBrk="1" fontAlgn="base" latinLnBrk="0" hangingPunct="1">
+              <a:lnSpc>
+                <a:spcPct val="100000"/>
+              </a:lnSpc>
+              <a:spcBef>
+                <a:spcPct val="0"/>
+              </a:spcBef>
+              <a:spcAft>
+                <a:spcPct val="0"/>
+              </a:spcAft>
+              <a:buClrTx/>
+              <a:buSzTx/>
+              <a:buFont typeface="Arial" panose="020B0604020202020204" pitchFamily="34" charset="0"/>
+              <a:buChar char="•"/>
+              <a:tabLst/>
+              <a:defRPr/>
+            </a:pPr>
+            <a:endParaRPr kumimoji="0" lang="en-US" sz="2400" b="0" i="0" u="none" strike="noStrike" kern="1200" cap="none" spc="0" normalizeH="0" baseline="0" noProof="0" dirty="0">
+              <a:ln>
+                <a:noFill/>
+              </a:ln>
+              <a:solidFill>
+                <a:srgbClr val="404040"/>
+              </a:solidFill>
+              <a:effectLst/>
+              <a:uLnTx/>
+              <a:uFillTx/>
+              <a:latin typeface="Arial" charset="0"/>
+              <a:ea typeface="ＭＳ Ｐゴシック" charset="-128"/>
+            </a:endParaRPr>
+          </a:p>
+          <a:p>
+            <a:pPr marL="800100" marR="0" lvl="1" indent="-342900" algn="l" defTabSz="457200" rtl="0" eaLnBrk="1" fontAlgn="base" latinLnBrk="0" hangingPunct="1">
+              <a:lnSpc>
+                <a:spcPct val="100000"/>
+              </a:lnSpc>
+              <a:spcBef>
+                <a:spcPct val="0"/>
+              </a:spcBef>
+              <a:spcAft>
+                <a:spcPct val="0"/>
+              </a:spcAft>
+              <a:buClrTx/>
+              <a:buSzTx/>
+              <a:buFont typeface="Arial" panose="020B0604020202020204" pitchFamily="34" charset="0"/>
+              <a:buChar char="•"/>
+              <a:tabLst/>
+              <a:defRPr/>
+            </a:pPr>
+            <a:endParaRPr kumimoji="0" lang="en-US" sz="2400" b="0" i="0" u="none" strike="noStrike" kern="1200" cap="none" spc="0" normalizeH="0" baseline="0" noProof="0" dirty="0">
+              <a:ln>
+                <a:noFill/>
+              </a:ln>
+              <a:solidFill>
+                <a:srgbClr val="404040"/>
+              </a:solidFill>
+              <a:effectLst/>
+              <a:uLnTx/>
+              <a:uFillTx/>
+              <a:latin typeface="Arial" charset="0"/>
+              <a:ea typeface="ＭＳ Ｐゴシック" charset="-128"/>
+            </a:endParaRPr>
+          </a:p>
+          <a:p>
+            <a:pPr marL="800100" marR="0" lvl="1" indent="-342900" algn="l" defTabSz="457200" rtl="0" eaLnBrk="1" fontAlgn="base" latinLnBrk="0" hangingPunct="1">
+              <a:lnSpc>
+                <a:spcPct val="100000"/>
+              </a:lnSpc>
+              <a:spcBef>
+                <a:spcPct val="0"/>
+              </a:spcBef>
+              <a:spcAft>
+                <a:spcPct val="0"/>
+              </a:spcAft>
+              <a:buClrTx/>
+              <a:buSzTx/>
+              <a:buFont typeface="Arial" panose="020B0604020202020204" pitchFamily="34" charset="0"/>
+              <a:buChar char="•"/>
+              <a:tabLst/>
+              <a:defRPr/>
+            </a:pPr>
+            <a:endParaRPr kumimoji="0" lang="en-US" sz="2400" b="0" i="0" u="none" strike="noStrike" kern="1200" cap="none" spc="0" normalizeH="0" baseline="0" noProof="0" dirty="0">
+              <a:ln>
+                <a:noFill/>
+              </a:ln>
+              <a:solidFill>
+                <a:srgbClr val="404040"/>
+              </a:solidFill>
+              <a:effectLst/>
+              <a:uLnTx/>
+              <a:uFillTx/>
+              <a:latin typeface="Arial" charset="0"/>
+              <a:ea typeface="ＭＳ Ｐゴシック" charset="-128"/>
+            </a:endParaRPr>
+          </a:p>
+          <a:p>
+            <a:pPr marL="800100" marR="0" lvl="1" indent="-342900" algn="l" defTabSz="457200" rtl="0" eaLnBrk="1" fontAlgn="base" latinLnBrk="0" hangingPunct="1">
+              <a:lnSpc>
+                <a:spcPct val="100000"/>
+              </a:lnSpc>
+              <a:spcBef>
+                <a:spcPct val="0"/>
+              </a:spcBef>
+              <a:spcAft>
+                <a:spcPct val="0"/>
+              </a:spcAft>
+              <a:buClrTx/>
+              <a:buSzTx/>
+              <a:buFont typeface="Arial" panose="020B0604020202020204" pitchFamily="34" charset="0"/>
+              <a:buChar char="•"/>
+              <a:tabLst/>
+              <a:defRPr/>
+            </a:pPr>
+            <a:endParaRPr kumimoji="0" lang="en-US" sz="2400" b="0" i="0" u="none" strike="noStrike" kern="1200" cap="none" spc="0" normalizeH="0" baseline="0" noProof="0" dirty="0">
+              <a:ln>
+                <a:noFill/>
+              </a:ln>
+              <a:solidFill>
+                <a:srgbClr val="404040"/>
+              </a:solidFill>
+              <a:effectLst/>
+              <a:uLnTx/>
+              <a:uFillTx/>
+              <a:latin typeface="Arial" charset="0"/>
+              <a:ea typeface="ＭＳ Ｐゴシック" charset="-128"/>
+            </a:endParaRPr>
+          </a:p>
+          <a:p>
+            <a:pPr marL="800100" marR="0" lvl="1" indent="-342900" algn="l" defTabSz="457200" rtl="0" eaLnBrk="1" fontAlgn="base" latinLnBrk="0" hangingPunct="1">
+              <a:lnSpc>
+                <a:spcPct val="100000"/>
+              </a:lnSpc>
+              <a:spcBef>
+                <a:spcPct val="0"/>
+              </a:spcBef>
+              <a:spcAft>
+                <a:spcPct val="0"/>
+              </a:spcAft>
+              <a:buClrTx/>
+              <a:buSzTx/>
+              <a:buFont typeface="Arial" panose="020B0604020202020204" pitchFamily="34" charset="0"/>
+              <a:buChar char="•"/>
+              <a:tabLst/>
+              <a:defRPr/>
+            </a:pPr>
+            <a:endParaRPr kumimoji="0" lang="en-US" sz="2400" b="0" i="0" u="none" strike="noStrike" kern="1200" cap="none" spc="0" normalizeH="0" baseline="0" noProof="0" dirty="0">
+              <a:ln>
+                <a:noFill/>
+              </a:ln>
+              <a:solidFill>
+                <a:srgbClr val="404040"/>
+              </a:solidFill>
+              <a:effectLst/>
+              <a:uLnTx/>
+              <a:uFillTx/>
+              <a:latin typeface="Arial" charset="0"/>
+              <a:ea typeface="ＭＳ Ｐゴシック" charset="-128"/>
+            </a:endParaRPr>
+          </a:p>
+          <a:p>
+            <a:pPr marL="800100" marR="0" lvl="1" indent="-342900" algn="l" defTabSz="457200" rtl="0" eaLnBrk="1" fontAlgn="base" latinLnBrk="0" hangingPunct="1">
+              <a:lnSpc>
+                <a:spcPct val="100000"/>
+              </a:lnSpc>
+              <a:spcBef>
+                <a:spcPct val="0"/>
+              </a:spcBef>
+              <a:spcAft>
+                <a:spcPct val="0"/>
+              </a:spcAft>
+              <a:buClrTx/>
+              <a:buSzTx/>
+              <a:buFont typeface="Arial" panose="020B0604020202020204" pitchFamily="34" charset="0"/>
+              <a:buChar char="•"/>
+              <a:tabLst/>
+              <a:defRPr/>
+            </a:pPr>
+            <a:r>
+              <a:rPr kumimoji="0" lang="en-US" sz="2400" b="0" i="0" u="none" strike="noStrike" kern="1200" cap="none" spc="0" normalizeH="0" baseline="0" noProof="0" dirty="0">
+                <a:ln>
+                  <a:noFill/>
+                </a:ln>
+                <a:solidFill>
+                  <a:srgbClr val="404040"/>
+                </a:solidFill>
+                <a:effectLst/>
+                <a:uLnTx/>
+                <a:uFillTx/>
+                <a:latin typeface="Arial" charset="0"/>
+                <a:ea typeface="ＭＳ Ｐゴシック" charset="-128"/>
+              </a:rPr>
+              <a:t>Worst Carriers/Origin</a:t>
+            </a:r>
+          </a:p>
+          <a:p>
+            <a:pPr marL="800100" marR="0" lvl="1" indent="-342900" algn="l" defTabSz="457200" rtl="0" eaLnBrk="1" fontAlgn="base" latinLnBrk="0" hangingPunct="1">
+              <a:lnSpc>
+                <a:spcPct val="100000"/>
+              </a:lnSpc>
+              <a:spcBef>
+                <a:spcPct val="0"/>
+              </a:spcBef>
+              <a:spcAft>
+                <a:spcPct val="0"/>
+              </a:spcAft>
+              <a:buClrTx/>
+              <a:buSzTx/>
+              <a:buFont typeface="Arial" panose="020B0604020202020204" pitchFamily="34" charset="0"/>
+              <a:buChar char="•"/>
+              <a:tabLst/>
+              <a:defRPr/>
+            </a:pPr>
+            <a:endParaRPr kumimoji="0" lang="en-US" sz="2400" b="0" i="0" u="none" strike="noStrike" kern="1200" cap="none" spc="0" normalizeH="0" baseline="0" noProof="0" dirty="0">
+              <a:ln>
+                <a:noFill/>
+              </a:ln>
+              <a:solidFill>
+                <a:srgbClr val="404040"/>
+              </a:solidFill>
+              <a:effectLst/>
+              <a:uLnTx/>
+              <a:uFillTx/>
+              <a:latin typeface="Arial" charset="0"/>
+              <a:ea typeface="ＭＳ Ｐゴシック" charset="-128"/>
+            </a:endParaRPr>
+          </a:p>
+        </p:txBody>
+      </p:sp>
+      <p:pic>
+        <p:nvPicPr>
+          <p:cNvPr id="5" name="Picture 4">
+            <a:extLst>
+              <a:ext uri="{FF2B5EF4-FFF2-40B4-BE49-F238E27FC236}">
+                <a16:creationId xmlns:a16="http://schemas.microsoft.com/office/drawing/2014/main" id="{CA56A9CC-723F-4603-BE65-98EB1E7DD5FB}"/>
+              </a:ext>
+            </a:extLst>
+          </p:cNvPr>
+          <p:cNvPicPr>
+            <a:picLocks noChangeAspect="1"/>
+          </p:cNvPicPr>
+          <p:nvPr/>
+        </p:nvPicPr>
+        <p:blipFill>
+          <a:blip r:embed="rId4"/>
+          <a:stretch>
+            <a:fillRect/>
+          </a:stretch>
+        </p:blipFill>
+        <p:spPr>
+          <a:xfrm>
+            <a:off x="3672081" y="1411877"/>
+            <a:ext cx="5314171" cy="2133600"/>
+          </a:xfrm>
+          <a:prstGeom prst="rect">
+            <a:avLst/>
+          </a:prstGeom>
+          <a:ln>
+            <a:solidFill>
+              <a:srgbClr val="404040"/>
+            </a:solidFill>
+          </a:ln>
+        </p:spPr>
+        <p:style>
+          <a:lnRef idx="2">
+            <a:schemeClr val="dk1"/>
+          </a:lnRef>
+          <a:fillRef idx="1">
+            <a:schemeClr val="lt1"/>
+          </a:fillRef>
+          <a:effectRef idx="0">
+            <a:schemeClr val="dk1"/>
+          </a:effectRef>
+          <a:fontRef idx="minor">
+            <a:schemeClr val="dk1"/>
+          </a:fontRef>
+        </p:style>
+      </p:pic>
+      <p:pic>
+        <p:nvPicPr>
+          <p:cNvPr id="7" name="Picture 6">
+            <a:extLst>
+              <a:ext uri="{FF2B5EF4-FFF2-40B4-BE49-F238E27FC236}">
+                <a16:creationId xmlns:a16="http://schemas.microsoft.com/office/drawing/2014/main" id="{F6D2C5DB-1497-40B7-AAFC-6EFD313016F8}"/>
+              </a:ext>
+            </a:extLst>
+          </p:cNvPr>
+          <p:cNvPicPr>
+            <a:picLocks noChangeAspect="1"/>
+          </p:cNvPicPr>
+          <p:nvPr/>
+        </p:nvPicPr>
+        <p:blipFill>
+          <a:blip r:embed="rId5"/>
+          <a:stretch>
+            <a:fillRect/>
+          </a:stretch>
+        </p:blipFill>
+        <p:spPr>
+          <a:xfrm>
+            <a:off x="3644581" y="4349281"/>
+            <a:ext cx="5369169" cy="2133600"/>
+          </a:xfrm>
+          <a:prstGeom prst="rect">
+            <a:avLst/>
+          </a:prstGeom>
+          <a:ln>
+            <a:solidFill>
+              <a:srgbClr val="404040"/>
+            </a:solidFill>
+          </a:ln>
+        </p:spPr>
+        <p:style>
+          <a:lnRef idx="2">
+            <a:schemeClr val="dk1"/>
+          </a:lnRef>
+          <a:fillRef idx="1">
+            <a:schemeClr val="lt1"/>
+          </a:fillRef>
+          <a:effectRef idx="0">
+            <a:schemeClr val="dk1"/>
+          </a:effectRef>
+          <a:fontRef idx="minor">
+            <a:schemeClr val="dk1"/>
+          </a:fontRef>
+        </p:style>
+      </p:pic>
+    </p:spTree>
+    <p:custDataLst>
+      <p:tags r:id="rId1"/>
+    </p:custDataLst>
+    <p:extLst>
+      <p:ext uri="{BB962C8B-B14F-4D97-AF65-F5344CB8AC3E}">
+        <p14:creationId xmlns:p14="http://schemas.microsoft.com/office/powerpoint/2010/main" val="148025984"/>
+      </p:ext>
+    </p:extLst>
+  </p:cSld>
+  <p:clrMapOvr>
+    <a:masterClrMapping/>
+  </p:clrMapOvr>
+</p:sld>
+</file>
+
+<file path=ppt/slides/slide5.xml><?xml version="1.0" encoding="utf-8"?>
+<p:sld xmlns:a="http://schemas.openxmlformats.org/drawingml/2006/main" xmlns:r="http://schemas.openxmlformats.org/officeDocument/2006/relationships" xmlns:p="http://schemas.openxmlformats.org/presentationml/2006/main">
+  <p:cSld>
+    <p:bg>
+      <p:bgPr>
+        <a:solidFill>
+          <a:schemeClr val="bg1">
+            <a:lumMod val="85000"/>
+          </a:schemeClr>
+        </a:solidFill>
+        <a:effectLst/>
+      </p:bgPr>
+    </p:bg>
+    <p:spTree>
+      <p:nvGrpSpPr>
+        <p:cNvPr id="1" name=""/>
+        <p:cNvGrpSpPr/>
+        <p:nvPr/>
+      </p:nvGrpSpPr>
+      <p:grpSpPr>
+        <a:xfrm>
+          <a:off x="0" y="0"/>
+          <a:ext cx="0" cy="0"/>
+          <a:chOff x="0" y="0"/>
+          <a:chExt cx="0" cy="0"/>
+        </a:xfrm>
+      </p:grpSpPr>
+      <p:sp>
+        <p:nvSpPr>
+          <p:cNvPr id="15" name="Rectangle 12">
+            <a:extLst>
+              <a:ext uri="{FF2B5EF4-FFF2-40B4-BE49-F238E27FC236}">
+                <a16:creationId xmlns:a16="http://schemas.microsoft.com/office/drawing/2014/main" id="{867D4867-5BA7-4462-B2F6-A23F4A622AA7}"/>
+              </a:ext>
+              <a:ext uri="{C183D7F6-B498-43B3-948B-1728B52AA6E4}">
+                <adec:decorative xmlns:adec="http://schemas.microsoft.com/office/drawing/2017/decorative" val="1"/>
+              </a:ext>
+            </a:extLst>
+          </p:cNvPr>
+          <p:cNvSpPr>
+            <a:spLocks noGrp="1" noRot="1" noChangeAspect="1" noMove="1" noResize="1" noEditPoints="1" noAdjustHandles="1" noChangeArrowheads="1" noChangeShapeType="1" noTextEdit="1"/>
+          </p:cNvSpPr>
+          <p:nvPr>
+            <p:extLst>
+              <p:ext uri="{386F3935-93C4-4BCD-93E2-E3B085C9AB24}">
+                <p16:designElem xmlns:p16="http://schemas.microsoft.com/office/powerpoint/2015/main" val="1"/>
+              </p:ext>
+            </p:extLst>
+          </p:nvPr>
+        </p:nvSpPr>
+        <p:spPr>
+          <a:xfrm>
+            <a:off x="0" y="0"/>
+            <a:ext cx="3490722" cy="6858000"/>
+          </a:xfrm>
+          <a:prstGeom prst="rect">
+            <a:avLst/>
+          </a:prstGeom>
+          <a:solidFill>
+            <a:schemeClr val="tx1">
+              <a:lumMod val="75000"/>
+              <a:lumOff val="25000"/>
+            </a:schemeClr>
+          </a:solidFill>
+          <a:ln>
+            <a:noFill/>
+          </a:ln>
+        </p:spPr>
+        <p:style>
+          <a:lnRef idx="0">
+            <a:scrgbClr r="0" g="0" b="0"/>
+          </a:lnRef>
+          <a:fillRef idx="0">
+            <a:scrgbClr r="0" g="0" b="0"/>
+          </a:fillRef>
+          <a:effectRef idx="0">
+            <a:scrgbClr r="0" g="0" b="0"/>
+          </a:effectRef>
+          <a:fontRef idx="minor">
+            <a:schemeClr val="lt1"/>
+          </a:fontRef>
+        </p:style>
+        <p:txBody>
+          <a:bodyPr rtlCol="0" anchor="ctr"/>
+          <a:lstStyle/>
+          <a:p>
+            <a:pPr marL="0" marR="0" lvl="0" indent="0" algn="ctr" defTabSz="457200" rtl="0" eaLnBrk="1" fontAlgn="base" latinLnBrk="0" hangingPunct="1">
+              <a:lnSpc>
+                <a:spcPct val="100000"/>
+              </a:lnSpc>
+              <a:spcBef>
+                <a:spcPct val="0"/>
+              </a:spcBef>
+              <a:spcAft>
+                <a:spcPct val="0"/>
+              </a:spcAft>
+              <a:buClrTx/>
+              <a:buSzTx/>
+              <a:buFontTx/>
+              <a:buNone/>
+              <a:tabLst/>
+              <a:defRPr/>
+            </a:pPr>
+            <a:endParaRPr kumimoji="0" lang="en-US" sz="2400" b="0" i="0" u="none" strike="noStrike" kern="1200" cap="none" spc="0" normalizeH="0" baseline="0" noProof="0">
+              <a:ln>
+                <a:noFill/>
+              </a:ln>
+              <a:solidFill>
+                <a:prstClr val="white"/>
+              </a:solidFill>
+              <a:effectLst/>
+              <a:uLnTx/>
+              <a:uFillTx/>
+              <a:latin typeface="Calibri"/>
+              <a:ea typeface="+mn-ea"/>
+              <a:cs typeface="+mn-cs"/>
+            </a:endParaRPr>
+          </a:p>
+        </p:txBody>
+      </p:sp>
+      <p:sp>
+        <p:nvSpPr>
+          <p:cNvPr id="2" name="Title 1"/>
+          <p:cNvSpPr>
+            <a:spLocks noGrp="1"/>
+          </p:cNvSpPr>
+          <p:nvPr>
+            <p:ph type="title"/>
+          </p:nvPr>
+        </p:nvSpPr>
+        <p:spPr>
+          <a:xfrm>
+            <a:off x="482600" y="643467"/>
+            <a:ext cx="2522980" cy="1597315"/>
+          </a:xfrm>
+          <a:noFill/>
+          <a:ln w="19050">
+            <a:solidFill>
+              <a:schemeClr val="bg1"/>
+            </a:solidFill>
+          </a:ln>
+        </p:spPr>
+        <p:txBody>
+          <a:bodyPr vert="horz" wrap="square" lIns="91440" tIns="45720" rIns="91440" bIns="45720" rtlCol="0" anchor="ctr">
+            <a:normAutofit/>
+          </a:bodyPr>
+          <a:lstStyle/>
+          <a:p>
+            <a:pPr defTabSz="914400" eaLnBrk="1" hangingPunct="1">
+              <a:lnSpc>
+                <a:spcPct val="90000"/>
+              </a:lnSpc>
+            </a:pPr>
+            <a:r>
+              <a:rPr lang="en-US" sz="2400" dirty="0">
+                <a:solidFill>
+                  <a:schemeClr val="bg1"/>
+                </a:solidFill>
+                <a:ea typeface="+mj-ea"/>
+                <a:cs typeface="+mj-cs"/>
+              </a:rPr>
+              <a:t>Case Study</a:t>
+            </a:r>
+            <a:endParaRPr lang="en-US" sz="2400" kern="1200" dirty="0">
+              <a:solidFill>
+                <a:schemeClr val="bg1"/>
+              </a:solidFill>
+              <a:latin typeface="+mj-lt"/>
+              <a:ea typeface="+mj-ea"/>
+              <a:cs typeface="+mj-cs"/>
+            </a:endParaRPr>
+          </a:p>
+        </p:txBody>
+      </p:sp>
+      <p:pic>
+        <p:nvPicPr>
+          <p:cNvPr id="8" name="Picture 7">
+            <a:extLst>
+              <a:ext uri="{FF2B5EF4-FFF2-40B4-BE49-F238E27FC236}">
+                <a16:creationId xmlns:a16="http://schemas.microsoft.com/office/drawing/2014/main" id="{521D4292-9ECC-4DA5-8CC0-C561A0DA118E}"/>
+              </a:ext>
+            </a:extLst>
+          </p:cNvPr>
+          <p:cNvPicPr>
+            <a:picLocks noChangeAspect="1"/>
+          </p:cNvPicPr>
+          <p:nvPr/>
+        </p:nvPicPr>
+        <p:blipFill rotWithShape="1">
+          <a:blip r:embed="rId3"/>
+          <a:srcRect l="8000" r="9400"/>
+          <a:stretch/>
+        </p:blipFill>
+        <p:spPr>
+          <a:xfrm>
+            <a:off x="660103" y="3048000"/>
+            <a:ext cx="2167974" cy="2624666"/>
+          </a:xfrm>
+          <a:prstGeom prst="rect">
+            <a:avLst/>
+          </a:prstGeom>
+          <a:noFill/>
+        </p:spPr>
+      </p:pic>
+      <p:sp>
+        <p:nvSpPr>
+          <p:cNvPr id="4" name="TextBox 3">
+            <a:extLst>
+              <a:ext uri="{FF2B5EF4-FFF2-40B4-BE49-F238E27FC236}">
+                <a16:creationId xmlns:a16="http://schemas.microsoft.com/office/drawing/2014/main" id="{9B70DD5F-80AF-47A6-9622-DF0880C2AE63}"/>
+              </a:ext>
+            </a:extLst>
+          </p:cNvPr>
+          <p:cNvSpPr txBox="1"/>
+          <p:nvPr/>
+        </p:nvSpPr>
+        <p:spPr>
+          <a:xfrm>
+            <a:off x="3810000" y="643467"/>
+            <a:ext cx="4953000" cy="461665"/>
+          </a:xfrm>
+          <a:prstGeom prst="rect">
+            <a:avLst/>
+          </a:prstGeom>
+          <a:noFill/>
+        </p:spPr>
+        <p:txBody>
+          <a:bodyPr wrap="square" rtlCol="0">
+            <a:spAutoFit/>
+          </a:bodyPr>
+          <a:lstStyle/>
+          <a:p>
+            <a:pPr marL="342900" marR="0" lvl="0" indent="-342900" algn="l" defTabSz="457200" rtl="0" eaLnBrk="1" fontAlgn="base" latinLnBrk="0" hangingPunct="1">
+              <a:lnSpc>
+                <a:spcPct val="100000"/>
+              </a:lnSpc>
+              <a:spcBef>
+                <a:spcPct val="0"/>
+              </a:spcBef>
+              <a:spcAft>
+                <a:spcPct val="0"/>
+              </a:spcAft>
+              <a:buClrTx/>
+              <a:buSzTx/>
+              <a:buFont typeface="Arial" panose="020B0604020202020204" pitchFamily="34" charset="0"/>
+              <a:buChar char="•"/>
+              <a:tabLst/>
+              <a:defRPr/>
+            </a:pPr>
+            <a:endParaRPr kumimoji="0" lang="en-US" sz="2400" b="0" i="0" u="none" strike="noStrike" kern="1200" cap="none" spc="0" normalizeH="0" baseline="0" noProof="0" dirty="0">
+              <a:ln>
+                <a:noFill/>
+              </a:ln>
+              <a:solidFill>
+                <a:srgbClr val="404040"/>
+              </a:solidFill>
+              <a:effectLst/>
+              <a:uLnTx/>
+              <a:uFillTx/>
+              <a:latin typeface="Arial" charset="0"/>
+              <a:ea typeface="ＭＳ Ｐゴシック" charset="-128"/>
+            </a:endParaRPr>
+          </a:p>
+        </p:txBody>
+      </p:sp>
+      <p:sp>
+        <p:nvSpPr>
+          <p:cNvPr id="6" name="TextBox 5">
+            <a:extLst>
+              <a:ext uri="{FF2B5EF4-FFF2-40B4-BE49-F238E27FC236}">
+                <a16:creationId xmlns:a16="http://schemas.microsoft.com/office/drawing/2014/main" id="{E828729A-F29C-423D-B49F-097B379344C5}"/>
+              </a:ext>
+            </a:extLst>
+          </p:cNvPr>
+          <p:cNvSpPr txBox="1"/>
+          <p:nvPr/>
+        </p:nvSpPr>
+        <p:spPr>
+          <a:xfrm>
+            <a:off x="4129278" y="548634"/>
+            <a:ext cx="4953000" cy="461665"/>
+          </a:xfrm>
+          <a:prstGeom prst="rect">
+            <a:avLst/>
+          </a:prstGeom>
+          <a:noFill/>
+        </p:spPr>
+        <p:txBody>
+          <a:bodyPr wrap="square" rtlCol="0">
+            <a:spAutoFit/>
+          </a:bodyPr>
+          <a:lstStyle/>
+          <a:p>
+            <a:pPr marL="342900" marR="0" lvl="0" indent="-342900" algn="l" defTabSz="457200" rtl="0" eaLnBrk="1" fontAlgn="base" latinLnBrk="0" hangingPunct="1">
+              <a:lnSpc>
+                <a:spcPct val="100000"/>
+              </a:lnSpc>
+              <a:spcBef>
+                <a:spcPct val="0"/>
+              </a:spcBef>
+              <a:spcAft>
+                <a:spcPct val="0"/>
+              </a:spcAft>
+              <a:buClrTx/>
+              <a:buSzTx/>
+              <a:buFont typeface="Arial" panose="020B0604020202020204" pitchFamily="34" charset="0"/>
+              <a:buChar char="•"/>
+              <a:tabLst/>
+              <a:defRPr/>
+            </a:pPr>
+            <a:r>
+              <a:rPr kumimoji="0" lang="en-US" sz="2400" b="0" i="0" u="none" strike="noStrike" kern="1200" cap="none" spc="0" normalizeH="0" baseline="0" noProof="0" dirty="0">
+                <a:ln>
+                  <a:noFill/>
+                </a:ln>
+                <a:solidFill>
+                  <a:srgbClr val="404040"/>
+                </a:solidFill>
+                <a:effectLst/>
+                <a:uLnTx/>
+                <a:uFillTx/>
+                <a:latin typeface="Arial" charset="0"/>
+                <a:ea typeface="ＭＳ Ｐゴシック" charset="-128"/>
+              </a:rPr>
+              <a:t>95% Confidence Intervals</a:t>
+            </a:r>
+          </a:p>
+        </p:txBody>
+      </p:sp>
+      <p:pic>
+        <p:nvPicPr>
+          <p:cNvPr id="3" name="Picture 2">
+            <a:extLst>
+              <a:ext uri="{FF2B5EF4-FFF2-40B4-BE49-F238E27FC236}">
+                <a16:creationId xmlns:a16="http://schemas.microsoft.com/office/drawing/2014/main" id="{1432C5C2-B7F0-4DAC-9D84-AB1FF10DDBEE}"/>
+              </a:ext>
+            </a:extLst>
+          </p:cNvPr>
+          <p:cNvPicPr>
+            <a:picLocks noChangeAspect="1"/>
+          </p:cNvPicPr>
+          <p:nvPr/>
+        </p:nvPicPr>
+        <p:blipFill>
+          <a:blip r:embed="rId4"/>
+          <a:stretch>
+            <a:fillRect/>
+          </a:stretch>
+        </p:blipFill>
+        <p:spPr>
+          <a:xfrm>
+            <a:off x="3574953" y="1105132"/>
+            <a:ext cx="5510233" cy="3429953"/>
+          </a:xfrm>
+          <a:prstGeom prst="rect">
+            <a:avLst/>
+          </a:prstGeom>
+          <a:ln>
+            <a:solidFill>
+              <a:srgbClr val="404040"/>
+            </a:solidFill>
+          </a:ln>
+        </p:spPr>
+        <p:style>
+          <a:lnRef idx="2">
+            <a:schemeClr val="dk1"/>
+          </a:lnRef>
+          <a:fillRef idx="1">
+            <a:schemeClr val="lt1"/>
+          </a:fillRef>
+          <a:effectRef idx="0">
+            <a:schemeClr val="dk1"/>
+          </a:effectRef>
+          <a:fontRef idx="minor">
+            <a:schemeClr val="dk1"/>
+          </a:fontRef>
+        </p:style>
+      </p:pic>
+      <p:sp>
+        <p:nvSpPr>
+          <p:cNvPr id="9" name="Rectangle 8">
+            <a:extLst>
+              <a:ext uri="{FF2B5EF4-FFF2-40B4-BE49-F238E27FC236}">
+                <a16:creationId xmlns:a16="http://schemas.microsoft.com/office/drawing/2014/main" id="{7DD67B8A-03E8-4203-9CE1-643EA9B6F762}"/>
+              </a:ext>
+            </a:extLst>
+          </p:cNvPr>
+          <p:cNvSpPr/>
+          <p:nvPr/>
+        </p:nvSpPr>
+        <p:spPr>
+          <a:xfrm>
+            <a:off x="6934200" y="1010299"/>
+            <a:ext cx="457200" cy="3714101"/>
+          </a:xfrm>
+          <a:prstGeom prst="rect">
+            <a:avLst/>
+          </a:prstGeom>
+          <a:noFill/>
+          <a:ln>
+            <a:solidFill>
+              <a:srgbClr val="404040"/>
+            </a:solidFill>
+          </a:ln>
+        </p:spPr>
+        <p:style>
+          <a:lnRef idx="2">
+            <a:schemeClr val="dk1"/>
+          </a:lnRef>
+          <a:fillRef idx="1">
+            <a:schemeClr val="lt1"/>
+          </a:fillRef>
+          <a:effectRef idx="0">
+            <a:schemeClr val="dk1"/>
+          </a:effectRef>
+          <a:fontRef idx="minor">
+            <a:schemeClr val="dk1"/>
+          </a:fontRef>
+        </p:style>
+        <p:txBody>
+          <a:bodyPr rtlCol="0" anchor="ctr"/>
+          <a:lstStyle/>
+          <a:p>
+            <a:pPr marL="0" marR="0" lvl="0" indent="0" algn="ctr" defTabSz="457200" rtl="0" eaLnBrk="1" fontAlgn="base" latinLnBrk="0" hangingPunct="1">
+              <a:lnSpc>
+                <a:spcPct val="100000"/>
+              </a:lnSpc>
+              <a:spcBef>
+                <a:spcPct val="0"/>
+              </a:spcBef>
+              <a:spcAft>
+                <a:spcPct val="0"/>
+              </a:spcAft>
+              <a:buClrTx/>
+              <a:buSzTx/>
+              <a:buFontTx/>
+              <a:buNone/>
+              <a:tabLst/>
+              <a:defRPr/>
+            </a:pPr>
+            <a:endParaRPr kumimoji="0" lang="en-US" sz="2400" b="0" i="0" u="none" strike="noStrike" kern="1200" cap="none" spc="0" normalizeH="0" baseline="0" noProof="0">
+              <a:ln>
+                <a:noFill/>
+              </a:ln>
+              <a:solidFill>
+                <a:prstClr val="black"/>
+              </a:solidFill>
+              <a:effectLst/>
+              <a:uLnTx/>
+              <a:uFillTx/>
+              <a:latin typeface="Calibri"/>
+              <a:ea typeface="+mn-ea"/>
+              <a:cs typeface="+mn-cs"/>
+            </a:endParaRPr>
+          </a:p>
+        </p:txBody>
+      </p:sp>
+      <p:cxnSp>
+        <p:nvCxnSpPr>
+          <p:cNvPr id="11" name="Connector: Elbow 10">
+            <a:extLst>
+              <a:ext uri="{FF2B5EF4-FFF2-40B4-BE49-F238E27FC236}">
+                <a16:creationId xmlns:a16="http://schemas.microsoft.com/office/drawing/2014/main" id="{43CD36C5-14CC-4EA1-A94E-E307366E75B3}"/>
+              </a:ext>
+            </a:extLst>
+          </p:cNvPr>
+          <p:cNvCxnSpPr>
+            <a:cxnSpLocks/>
+          </p:cNvCxnSpPr>
+          <p:nvPr/>
+        </p:nvCxnSpPr>
+        <p:spPr>
+          <a:xfrm rot="5400000">
+            <a:off x="6781800" y="4710232"/>
+            <a:ext cx="381000" cy="381000"/>
+          </a:xfrm>
+          <a:prstGeom prst="bentConnector3">
+            <a:avLst>
+              <a:gd name="adj1" fmla="val 48168"/>
+            </a:avLst>
+          </a:prstGeom>
+          <a:ln>
+            <a:solidFill>
+              <a:srgbClr val="404040"/>
+            </a:solidFill>
+            <a:tailEnd type="triangle"/>
+          </a:ln>
+        </p:spPr>
+        <p:style>
+          <a:lnRef idx="2">
+            <a:schemeClr val="accent1"/>
+          </a:lnRef>
+          <a:fillRef idx="0">
+            <a:schemeClr val="accent1"/>
+          </a:fillRef>
+          <a:effectRef idx="1">
+            <a:schemeClr val="accent1"/>
+          </a:effectRef>
+          <a:fontRef idx="minor">
+            <a:schemeClr val="tx1"/>
+          </a:fontRef>
+        </p:style>
+      </p:cxnSp>
+      <p:sp>
+        <p:nvSpPr>
+          <p:cNvPr id="14" name="TextBox 13">
+            <a:extLst>
+              <a:ext uri="{FF2B5EF4-FFF2-40B4-BE49-F238E27FC236}">
+                <a16:creationId xmlns:a16="http://schemas.microsoft.com/office/drawing/2014/main" id="{94B9DD0F-373B-4FC5-955C-AB32BE8D0894}"/>
+              </a:ext>
+            </a:extLst>
+          </p:cNvPr>
+          <p:cNvSpPr txBox="1"/>
+          <p:nvPr/>
+        </p:nvSpPr>
+        <p:spPr>
+          <a:xfrm>
+            <a:off x="5431076" y="5072501"/>
+            <a:ext cx="3657600" cy="1200329"/>
+          </a:xfrm>
+          <a:prstGeom prst="rect">
+            <a:avLst/>
+          </a:prstGeom>
+          <a:noFill/>
+        </p:spPr>
+        <p:txBody>
+          <a:bodyPr wrap="square" rtlCol="0">
+            <a:spAutoFit/>
+          </a:bodyPr>
+          <a:lstStyle/>
+          <a:p>
+            <a:pPr marL="0" marR="0" lvl="0" indent="0" algn="r" defTabSz="457200" rtl="0" eaLnBrk="1" fontAlgn="base" latinLnBrk="0" hangingPunct="1">
+              <a:lnSpc>
+                <a:spcPct val="100000"/>
+              </a:lnSpc>
+              <a:spcBef>
+                <a:spcPct val="0"/>
+              </a:spcBef>
+              <a:spcAft>
+                <a:spcPct val="0"/>
+              </a:spcAft>
+              <a:buClrTx/>
+              <a:buSzTx/>
+              <a:buFontTx/>
+              <a:buNone/>
+              <a:tabLst/>
+              <a:defRPr/>
+            </a:pPr>
+            <a:r>
+              <a:rPr kumimoji="0" lang="en-US" sz="2400" b="0" i="0" u="none" strike="noStrike" kern="1200" cap="none" spc="0" normalizeH="0" baseline="0" noProof="0" dirty="0">
+                <a:ln>
+                  <a:noFill/>
+                </a:ln>
+                <a:solidFill>
+                  <a:prstClr val="black"/>
+                </a:solidFill>
+                <a:effectLst/>
+                <a:uLnTx/>
+                <a:uFillTx/>
+                <a:latin typeface="Arial" charset="0"/>
+                <a:ea typeface="ＭＳ Ｐゴシック" charset="-128"/>
+              </a:rPr>
+              <a:t>Carrier “OO” Creates a Visual Problem Due to Small Sample Size </a:t>
+            </a:r>
+          </a:p>
+        </p:txBody>
+      </p:sp>
+    </p:spTree>
+    <p:custDataLst>
+      <p:tags r:id="rId1"/>
+    </p:custDataLst>
+    <p:extLst>
+      <p:ext uri="{BB962C8B-B14F-4D97-AF65-F5344CB8AC3E}">
+        <p14:creationId xmlns:p14="http://schemas.microsoft.com/office/powerpoint/2010/main" val="3156651050"/>
+      </p:ext>
+    </p:extLst>
+  </p:cSld>
+  <p:clrMapOvr>
+    <a:masterClrMapping/>
+  </p:clrMapOvr>
+</p:sld>
+</file>
+
+<file path=ppt/slides/slide6.xml><?xml version="1.0" encoding="utf-8"?>
+<p:sld xmlns:a="http://schemas.openxmlformats.org/drawingml/2006/main" xmlns:r="http://schemas.openxmlformats.org/officeDocument/2006/relationships" xmlns:p="http://schemas.openxmlformats.org/presentationml/2006/main">
+  <p:cSld>
+    <p:bg>
+      <p:bgPr>
+        <a:solidFill>
+          <a:schemeClr val="bg1">
+            <a:lumMod val="85000"/>
+          </a:schemeClr>
+        </a:solidFill>
+        <a:effectLst/>
+      </p:bgPr>
+    </p:bg>
+    <p:spTree>
+      <p:nvGrpSpPr>
+        <p:cNvPr id="1" name=""/>
+        <p:cNvGrpSpPr/>
+        <p:nvPr/>
+      </p:nvGrpSpPr>
+      <p:grpSpPr>
+        <a:xfrm>
+          <a:off x="0" y="0"/>
+          <a:ext cx="0" cy="0"/>
+          <a:chOff x="0" y="0"/>
+          <a:chExt cx="0" cy="0"/>
+        </a:xfrm>
+      </p:grpSpPr>
+      <p:sp>
+        <p:nvSpPr>
+          <p:cNvPr id="15" name="Rectangle 12">
+            <a:extLst>
+              <a:ext uri="{FF2B5EF4-FFF2-40B4-BE49-F238E27FC236}">
+                <a16:creationId xmlns:a16="http://schemas.microsoft.com/office/drawing/2014/main" id="{867D4867-5BA7-4462-B2F6-A23F4A622AA7}"/>
+              </a:ext>
+              <a:ext uri="{C183D7F6-B498-43B3-948B-1728B52AA6E4}">
+                <adec:decorative xmlns:adec="http://schemas.microsoft.com/office/drawing/2017/decorative" val="1"/>
+              </a:ext>
+            </a:extLst>
+          </p:cNvPr>
+          <p:cNvSpPr>
+            <a:spLocks noGrp="1" noRot="1" noChangeAspect="1" noMove="1" noResize="1" noEditPoints="1" noAdjustHandles="1" noChangeArrowheads="1" noChangeShapeType="1" noTextEdit="1"/>
+          </p:cNvSpPr>
+          <p:nvPr>
+            <p:extLst>
+              <p:ext uri="{386F3935-93C4-4BCD-93E2-E3B085C9AB24}">
+                <p16:designElem xmlns:p16="http://schemas.microsoft.com/office/powerpoint/2015/main" val="1"/>
+              </p:ext>
+            </p:extLst>
+          </p:nvPr>
+        </p:nvSpPr>
+        <p:spPr>
+          <a:xfrm>
+            <a:off x="0" y="0"/>
+            <a:ext cx="3490722" cy="6858000"/>
+          </a:xfrm>
+          <a:prstGeom prst="rect">
+            <a:avLst/>
+          </a:prstGeom>
+          <a:solidFill>
+            <a:schemeClr val="tx1">
+              <a:lumMod val="75000"/>
+              <a:lumOff val="25000"/>
+            </a:schemeClr>
+          </a:solidFill>
+          <a:ln>
+            <a:noFill/>
+          </a:ln>
+        </p:spPr>
+        <p:style>
+          <a:lnRef idx="0">
+            <a:scrgbClr r="0" g="0" b="0"/>
+          </a:lnRef>
+          <a:fillRef idx="0">
+            <a:scrgbClr r="0" g="0" b="0"/>
+          </a:fillRef>
+          <a:effectRef idx="0">
+            <a:scrgbClr r="0" g="0" b="0"/>
+          </a:effectRef>
+          <a:fontRef idx="minor">
+            <a:schemeClr val="lt1"/>
+          </a:fontRef>
+        </p:style>
+        <p:txBody>
+          <a:bodyPr rtlCol="0" anchor="ctr"/>
+          <a:lstStyle/>
+          <a:p>
+            <a:pPr marL="0" marR="0" lvl="0" indent="0" algn="ctr" defTabSz="457200" rtl="0" eaLnBrk="1" fontAlgn="base" latinLnBrk="0" hangingPunct="1">
+              <a:lnSpc>
+                <a:spcPct val="100000"/>
+              </a:lnSpc>
+              <a:spcBef>
+                <a:spcPct val="0"/>
+              </a:spcBef>
+              <a:spcAft>
+                <a:spcPct val="0"/>
+              </a:spcAft>
+              <a:buClrTx/>
+              <a:buSzTx/>
+              <a:buFontTx/>
+              <a:buNone/>
+              <a:tabLst/>
+              <a:defRPr/>
+            </a:pPr>
+            <a:endParaRPr kumimoji="0" lang="en-US" sz="2400" b="0" i="0" u="none" strike="noStrike" kern="1200" cap="none" spc="0" normalizeH="0" baseline="0" noProof="0">
+              <a:ln>
+                <a:noFill/>
+              </a:ln>
+              <a:solidFill>
+                <a:prstClr val="white"/>
+              </a:solidFill>
+              <a:effectLst/>
+              <a:uLnTx/>
+              <a:uFillTx/>
+              <a:latin typeface="Calibri"/>
+              <a:ea typeface="+mn-ea"/>
+              <a:cs typeface="+mn-cs"/>
+            </a:endParaRPr>
+          </a:p>
+        </p:txBody>
+      </p:sp>
+      <p:sp>
+        <p:nvSpPr>
+          <p:cNvPr id="2" name="Title 1"/>
+          <p:cNvSpPr>
+            <a:spLocks noGrp="1"/>
+          </p:cNvSpPr>
+          <p:nvPr>
+            <p:ph type="title"/>
+          </p:nvPr>
+        </p:nvSpPr>
+        <p:spPr>
+          <a:xfrm>
+            <a:off x="482600" y="643467"/>
+            <a:ext cx="2522980" cy="1597315"/>
+          </a:xfrm>
+          <a:noFill/>
+          <a:ln w="19050">
+            <a:solidFill>
+              <a:schemeClr val="bg1"/>
+            </a:solidFill>
+          </a:ln>
+        </p:spPr>
+        <p:txBody>
+          <a:bodyPr vert="horz" wrap="square" lIns="91440" tIns="45720" rIns="91440" bIns="45720" rtlCol="0" anchor="ctr">
+            <a:normAutofit/>
+          </a:bodyPr>
+          <a:lstStyle/>
+          <a:p>
+            <a:pPr defTabSz="914400" eaLnBrk="1" hangingPunct="1">
+              <a:lnSpc>
+                <a:spcPct val="90000"/>
+              </a:lnSpc>
+            </a:pPr>
+            <a:r>
+              <a:rPr lang="en-US" sz="2400" dirty="0">
+                <a:solidFill>
+                  <a:schemeClr val="bg1"/>
+                </a:solidFill>
+                <a:ea typeface="+mj-ea"/>
+                <a:cs typeface="+mj-cs"/>
+              </a:rPr>
+              <a:t>Case Study</a:t>
+            </a:r>
+            <a:endParaRPr lang="en-US" sz="2400" kern="1200" dirty="0">
+              <a:solidFill>
+                <a:schemeClr val="bg1"/>
+              </a:solidFill>
+              <a:latin typeface="+mj-lt"/>
+              <a:ea typeface="+mj-ea"/>
+              <a:cs typeface="+mj-cs"/>
+            </a:endParaRPr>
+          </a:p>
+        </p:txBody>
+      </p:sp>
+      <p:pic>
+        <p:nvPicPr>
+          <p:cNvPr id="8" name="Picture 7">
+            <a:extLst>
+              <a:ext uri="{FF2B5EF4-FFF2-40B4-BE49-F238E27FC236}">
+                <a16:creationId xmlns:a16="http://schemas.microsoft.com/office/drawing/2014/main" id="{521D4292-9ECC-4DA5-8CC0-C561A0DA118E}"/>
+              </a:ext>
+            </a:extLst>
+          </p:cNvPr>
+          <p:cNvPicPr>
+            <a:picLocks noChangeAspect="1"/>
+          </p:cNvPicPr>
+          <p:nvPr/>
+        </p:nvPicPr>
+        <p:blipFill rotWithShape="1">
+          <a:blip r:embed="rId3"/>
+          <a:srcRect l="8000" r="9400"/>
+          <a:stretch/>
+        </p:blipFill>
+        <p:spPr>
+          <a:xfrm>
+            <a:off x="660103" y="3048000"/>
+            <a:ext cx="2167974" cy="2624666"/>
+          </a:xfrm>
+          <a:prstGeom prst="rect">
+            <a:avLst/>
+          </a:prstGeom>
+          <a:noFill/>
+        </p:spPr>
+      </p:pic>
+      <p:sp>
+        <p:nvSpPr>
+          <p:cNvPr id="4" name="TextBox 3">
+            <a:extLst>
+              <a:ext uri="{FF2B5EF4-FFF2-40B4-BE49-F238E27FC236}">
+                <a16:creationId xmlns:a16="http://schemas.microsoft.com/office/drawing/2014/main" id="{9B70DD5F-80AF-47A6-9622-DF0880C2AE63}"/>
+              </a:ext>
+            </a:extLst>
+          </p:cNvPr>
+          <p:cNvSpPr txBox="1"/>
+          <p:nvPr/>
+        </p:nvSpPr>
+        <p:spPr>
+          <a:xfrm>
+            <a:off x="3810000" y="643467"/>
+            <a:ext cx="4953000" cy="461665"/>
+          </a:xfrm>
+          <a:prstGeom prst="rect">
+            <a:avLst/>
+          </a:prstGeom>
+          <a:noFill/>
+        </p:spPr>
+        <p:txBody>
+          <a:bodyPr wrap="square" rtlCol="0">
+            <a:spAutoFit/>
+          </a:bodyPr>
+          <a:lstStyle/>
+          <a:p>
+            <a:pPr marL="342900" marR="0" lvl="0" indent="-342900" algn="l" defTabSz="457200" rtl="0" eaLnBrk="1" fontAlgn="base" latinLnBrk="0" hangingPunct="1">
+              <a:lnSpc>
+                <a:spcPct val="100000"/>
+              </a:lnSpc>
+              <a:spcBef>
+                <a:spcPct val="0"/>
+              </a:spcBef>
+              <a:spcAft>
+                <a:spcPct val="0"/>
+              </a:spcAft>
+              <a:buClrTx/>
+              <a:buSzTx/>
+              <a:buFont typeface="Arial" panose="020B0604020202020204" pitchFamily="34" charset="0"/>
+              <a:buChar char="•"/>
+              <a:tabLst/>
+              <a:defRPr/>
+            </a:pPr>
+            <a:endParaRPr kumimoji="0" lang="en-US" sz="2400" b="0" i="0" u="none" strike="noStrike" kern="1200" cap="none" spc="0" normalizeH="0" baseline="0" noProof="0" dirty="0">
+              <a:ln>
+                <a:noFill/>
+              </a:ln>
+              <a:solidFill>
+                <a:srgbClr val="404040"/>
+              </a:solidFill>
+              <a:effectLst/>
+              <a:uLnTx/>
+              <a:uFillTx/>
+              <a:latin typeface="Arial" charset="0"/>
+              <a:ea typeface="ＭＳ Ｐゴシック" charset="-128"/>
+            </a:endParaRPr>
+          </a:p>
+        </p:txBody>
+      </p:sp>
+      <p:sp>
+        <p:nvSpPr>
+          <p:cNvPr id="6" name="TextBox 5">
+            <a:extLst>
+              <a:ext uri="{FF2B5EF4-FFF2-40B4-BE49-F238E27FC236}">
+                <a16:creationId xmlns:a16="http://schemas.microsoft.com/office/drawing/2014/main" id="{E828729A-F29C-423D-B49F-097B379344C5}"/>
+              </a:ext>
+            </a:extLst>
+          </p:cNvPr>
+          <p:cNvSpPr txBox="1"/>
+          <p:nvPr/>
+        </p:nvSpPr>
+        <p:spPr>
+          <a:xfrm>
+            <a:off x="4129278" y="548634"/>
+            <a:ext cx="4953000" cy="461665"/>
+          </a:xfrm>
+          <a:prstGeom prst="rect">
+            <a:avLst/>
+          </a:prstGeom>
+          <a:noFill/>
+        </p:spPr>
+        <p:txBody>
+          <a:bodyPr wrap="square" rtlCol="0">
+            <a:spAutoFit/>
+          </a:bodyPr>
+          <a:lstStyle/>
+          <a:p>
+            <a:pPr marL="342900" marR="0" lvl="0" indent="-342900" algn="l" defTabSz="457200" rtl="0" eaLnBrk="1" fontAlgn="base" latinLnBrk="0" hangingPunct="1">
+              <a:lnSpc>
+                <a:spcPct val="100000"/>
+              </a:lnSpc>
+              <a:spcBef>
+                <a:spcPct val="0"/>
+              </a:spcBef>
+              <a:spcAft>
+                <a:spcPct val="0"/>
+              </a:spcAft>
+              <a:buClrTx/>
+              <a:buSzTx/>
+              <a:buFont typeface="Arial" panose="020B0604020202020204" pitchFamily="34" charset="0"/>
+              <a:buChar char="•"/>
+              <a:tabLst/>
+              <a:defRPr/>
+            </a:pPr>
+            <a:r>
+              <a:rPr kumimoji="0" lang="en-US" sz="2400" b="0" i="0" u="none" strike="noStrike" kern="1200" cap="none" spc="0" normalizeH="0" baseline="0" noProof="0" dirty="0">
+                <a:ln>
+                  <a:noFill/>
+                </a:ln>
+                <a:solidFill>
+                  <a:srgbClr val="404040"/>
+                </a:solidFill>
+                <a:effectLst/>
+                <a:uLnTx/>
+                <a:uFillTx/>
+                <a:latin typeface="Arial" charset="0"/>
+                <a:ea typeface="ＭＳ Ｐゴシック" charset="-128"/>
+              </a:rPr>
+              <a:t>95% Confidence Intervals</a:t>
+            </a:r>
+          </a:p>
+        </p:txBody>
+      </p:sp>
+      <p:pic>
+        <p:nvPicPr>
+          <p:cNvPr id="5" name="Picture 4">
+            <a:extLst>
+              <a:ext uri="{FF2B5EF4-FFF2-40B4-BE49-F238E27FC236}">
+                <a16:creationId xmlns:a16="http://schemas.microsoft.com/office/drawing/2014/main" id="{F5F3A398-3E8B-4392-8BD1-9B7287AD27AE}"/>
+              </a:ext>
+            </a:extLst>
+          </p:cNvPr>
+          <p:cNvPicPr>
+            <a:picLocks noChangeAspect="1"/>
+          </p:cNvPicPr>
+          <p:nvPr/>
+        </p:nvPicPr>
+        <p:blipFill>
+          <a:blip r:embed="rId4"/>
+          <a:stretch>
+            <a:fillRect/>
+          </a:stretch>
+        </p:blipFill>
+        <p:spPr>
+          <a:xfrm>
+            <a:off x="3550571" y="3200400"/>
+            <a:ext cx="5503786" cy="3393354"/>
+          </a:xfrm>
+          <a:prstGeom prst="rect">
+            <a:avLst/>
+          </a:prstGeom>
+          <a:ln>
+            <a:solidFill>
+              <a:srgbClr val="404040"/>
+            </a:solidFill>
+          </a:ln>
+        </p:spPr>
+        <p:style>
+          <a:lnRef idx="2">
+            <a:schemeClr val="dk1"/>
+          </a:lnRef>
+          <a:fillRef idx="1">
+            <a:schemeClr val="lt1"/>
+          </a:fillRef>
+          <a:effectRef idx="0">
+            <a:schemeClr val="dk1"/>
+          </a:effectRef>
+          <a:fontRef idx="minor">
+            <a:schemeClr val="dk1"/>
+          </a:fontRef>
+        </p:style>
+      </p:pic>
+      <p:pic>
+        <p:nvPicPr>
+          <p:cNvPr id="7" name="Picture 6">
+            <a:extLst>
+              <a:ext uri="{FF2B5EF4-FFF2-40B4-BE49-F238E27FC236}">
+                <a16:creationId xmlns:a16="http://schemas.microsoft.com/office/drawing/2014/main" id="{6A08CCB2-36E5-47F0-8338-D556F3E4888B}"/>
+              </a:ext>
+            </a:extLst>
+          </p:cNvPr>
+          <p:cNvPicPr>
+            <a:picLocks noChangeAspect="1"/>
+          </p:cNvPicPr>
+          <p:nvPr/>
+        </p:nvPicPr>
+        <p:blipFill>
+          <a:blip r:embed="rId5"/>
+          <a:stretch>
+            <a:fillRect/>
+          </a:stretch>
+        </p:blipFill>
+        <p:spPr>
+          <a:xfrm>
+            <a:off x="3550571" y="1371600"/>
+            <a:ext cx="5503786" cy="1026473"/>
+          </a:xfrm>
+          <a:prstGeom prst="rect">
+            <a:avLst/>
+          </a:prstGeom>
+          <a:ln>
+            <a:solidFill>
+              <a:srgbClr val="404040"/>
+            </a:solidFill>
+          </a:ln>
+        </p:spPr>
+        <p:style>
+          <a:lnRef idx="2">
+            <a:schemeClr val="dk1"/>
+          </a:lnRef>
+          <a:fillRef idx="1">
+            <a:schemeClr val="lt1"/>
+          </a:fillRef>
+          <a:effectRef idx="0">
+            <a:schemeClr val="dk1"/>
+          </a:effectRef>
+          <a:fontRef idx="minor">
+            <a:schemeClr val="dk1"/>
+          </a:fontRef>
+        </p:style>
+      </p:pic>
+      <p:sp>
+        <p:nvSpPr>
+          <p:cNvPr id="10" name="Arrow: Down 9">
+            <a:extLst>
+              <a:ext uri="{FF2B5EF4-FFF2-40B4-BE49-F238E27FC236}">
+                <a16:creationId xmlns:a16="http://schemas.microsoft.com/office/drawing/2014/main" id="{48E12E9A-7107-4B1E-9495-B7AC0A900007}"/>
+              </a:ext>
+            </a:extLst>
+          </p:cNvPr>
+          <p:cNvSpPr/>
+          <p:nvPr/>
+        </p:nvSpPr>
+        <p:spPr>
+          <a:xfrm>
+            <a:off x="6096000" y="2550277"/>
+            <a:ext cx="381000" cy="457200"/>
+          </a:xfrm>
+          <a:prstGeom prst="downArrow">
+            <a:avLst/>
+          </a:prstGeom>
+          <a:solidFill>
+            <a:srgbClr val="404040"/>
+          </a:solidFill>
+          <a:ln>
+            <a:solidFill>
+              <a:srgbClr val="404040"/>
+            </a:solidFill>
+          </a:ln>
+        </p:spPr>
+        <p:style>
+          <a:lnRef idx="2">
+            <a:schemeClr val="dk1"/>
+          </a:lnRef>
+          <a:fillRef idx="1">
+            <a:schemeClr val="lt1"/>
+          </a:fillRef>
+          <a:effectRef idx="0">
+            <a:schemeClr val="dk1"/>
+          </a:effectRef>
+          <a:fontRef idx="minor">
+            <a:schemeClr val="dk1"/>
+          </a:fontRef>
+        </p:style>
+        <p:txBody>
+          <a:bodyPr rtlCol="0" anchor="ctr"/>
+          <a:lstStyle/>
+          <a:p>
+            <a:pPr marL="0" marR="0" lvl="0" indent="0" algn="ctr" defTabSz="457200" rtl="0" eaLnBrk="1" fontAlgn="base" latinLnBrk="0" hangingPunct="1">
+              <a:lnSpc>
+                <a:spcPct val="100000"/>
+              </a:lnSpc>
+              <a:spcBef>
+                <a:spcPct val="0"/>
+              </a:spcBef>
+              <a:spcAft>
+                <a:spcPct val="0"/>
+              </a:spcAft>
+              <a:buClrTx/>
+              <a:buSzTx/>
+              <a:buFontTx/>
+              <a:buNone/>
+              <a:tabLst/>
+              <a:defRPr/>
+            </a:pPr>
+            <a:endParaRPr kumimoji="0" lang="en-US" sz="2400" b="0" i="0" u="none" strike="noStrike" kern="1200" cap="none" spc="0" normalizeH="0" baseline="0" noProof="0" dirty="0">
+              <a:ln>
+                <a:noFill/>
+              </a:ln>
+              <a:solidFill>
+                <a:prstClr val="black"/>
+              </a:solidFill>
+              <a:effectLst/>
+              <a:uLnTx/>
+              <a:uFillTx/>
+              <a:latin typeface="Calibri"/>
+              <a:ea typeface="+mn-ea"/>
+              <a:cs typeface="+mn-cs"/>
+            </a:endParaRPr>
+          </a:p>
+        </p:txBody>
+      </p:sp>
+    </p:spTree>
+    <p:custDataLst>
+      <p:tags r:id="rId1"/>
+    </p:custDataLst>
+    <p:extLst>
+      <p:ext uri="{BB962C8B-B14F-4D97-AF65-F5344CB8AC3E}">
+        <p14:creationId xmlns:p14="http://schemas.microsoft.com/office/powerpoint/2010/main" val="3786111459"/>
+      </p:ext>
+    </p:extLst>
+  </p:cSld>
+  <p:clrMapOvr>
+    <a:masterClrMapping/>
+  </p:clrMapOvr>
+</p:sld>
+</file>
+
+<file path=ppt/slides/slide7.xml><?xml version="1.0" encoding="utf-8"?>
+<p:sld xmlns:a="http://schemas.openxmlformats.org/drawingml/2006/main" xmlns:r="http://schemas.openxmlformats.org/officeDocument/2006/relationships" xmlns:p="http://schemas.openxmlformats.org/presentationml/2006/main">
+  <p:cSld>
+    <p:bg>
+      <p:bgPr>
+        <a:solidFill>
+          <a:schemeClr val="bg1">
+            <a:lumMod val="85000"/>
+          </a:schemeClr>
+        </a:solidFill>
+        <a:effectLst/>
+      </p:bgPr>
+    </p:bg>
+    <p:spTree>
+      <p:nvGrpSpPr>
+        <p:cNvPr id="1" name=""/>
+        <p:cNvGrpSpPr/>
+        <p:nvPr/>
+      </p:nvGrpSpPr>
+      <p:grpSpPr>
+        <a:xfrm>
+          <a:off x="0" y="0"/>
+          <a:ext cx="0" cy="0"/>
+          <a:chOff x="0" y="0"/>
+          <a:chExt cx="0" cy="0"/>
+        </a:xfrm>
+      </p:grpSpPr>
+      <p:sp>
+        <p:nvSpPr>
+          <p:cNvPr id="15" name="Rectangle 12">
+            <a:extLst>
+              <a:ext uri="{FF2B5EF4-FFF2-40B4-BE49-F238E27FC236}">
+                <a16:creationId xmlns:a16="http://schemas.microsoft.com/office/drawing/2014/main" id="{867D4867-5BA7-4462-B2F6-A23F4A622AA7}"/>
+              </a:ext>
+              <a:ext uri="{C183D7F6-B498-43B3-948B-1728B52AA6E4}">
+                <adec:decorative xmlns:adec="http://schemas.microsoft.com/office/drawing/2017/decorative" val="1"/>
+              </a:ext>
+            </a:extLst>
+          </p:cNvPr>
+          <p:cNvSpPr>
+            <a:spLocks noGrp="1" noRot="1" noChangeAspect="1" noMove="1" noResize="1" noEditPoints="1" noAdjustHandles="1" noChangeArrowheads="1" noChangeShapeType="1" noTextEdit="1"/>
+          </p:cNvSpPr>
+          <p:nvPr>
+            <p:extLst>
+              <p:ext uri="{386F3935-93C4-4BCD-93E2-E3B085C9AB24}">
+                <p16:designElem xmlns:p16="http://schemas.microsoft.com/office/powerpoint/2015/main" val="1"/>
+              </p:ext>
+            </p:extLst>
+          </p:nvPr>
+        </p:nvSpPr>
+        <p:spPr>
+          <a:xfrm>
+            <a:off x="0" y="0"/>
+            <a:ext cx="3490722" cy="6858000"/>
+          </a:xfrm>
+          <a:prstGeom prst="rect">
+            <a:avLst/>
+          </a:prstGeom>
+          <a:solidFill>
+            <a:schemeClr val="tx1">
+              <a:lumMod val="75000"/>
+              <a:lumOff val="25000"/>
+            </a:schemeClr>
+          </a:solidFill>
+          <a:ln>
+            <a:noFill/>
+          </a:ln>
+        </p:spPr>
+        <p:style>
+          <a:lnRef idx="0">
+            <a:scrgbClr r="0" g="0" b="0"/>
+          </a:lnRef>
+          <a:fillRef idx="0">
+            <a:scrgbClr r="0" g="0" b="0"/>
+          </a:fillRef>
+          <a:effectRef idx="0">
+            <a:scrgbClr r="0" g="0" b="0"/>
+          </a:effectRef>
+          <a:fontRef idx="minor">
+            <a:schemeClr val="lt1"/>
+          </a:fontRef>
+        </p:style>
+        <p:txBody>
+          <a:bodyPr rtlCol="0" anchor="ctr"/>
+          <a:lstStyle/>
+          <a:p>
+            <a:pPr algn="ctr"/>
+            <a:endParaRPr lang="en-US"/>
+          </a:p>
+        </p:txBody>
+      </p:sp>
+      <p:sp>
+        <p:nvSpPr>
+          <p:cNvPr id="2" name="Title 1"/>
+          <p:cNvSpPr>
+            <a:spLocks noGrp="1"/>
+          </p:cNvSpPr>
+          <p:nvPr>
+            <p:ph type="title"/>
+          </p:nvPr>
+        </p:nvSpPr>
+        <p:spPr>
+          <a:xfrm>
+            <a:off x="482600" y="643467"/>
+            <a:ext cx="2522980" cy="1597315"/>
+          </a:xfrm>
+          <a:noFill/>
+          <a:ln w="19050">
+            <a:solidFill>
+              <a:schemeClr val="bg1"/>
+            </a:solidFill>
+          </a:ln>
+        </p:spPr>
+        <p:txBody>
+          <a:bodyPr vert="horz" wrap="square" lIns="91440" tIns="45720" rIns="91440" bIns="45720" rtlCol="0" anchor="ctr">
+            <a:normAutofit/>
+          </a:bodyPr>
+          <a:lstStyle/>
+          <a:p>
+            <a:pPr defTabSz="914400" eaLnBrk="1" hangingPunct="1">
+              <a:lnSpc>
+                <a:spcPct val="90000"/>
+              </a:lnSpc>
+            </a:pPr>
+            <a:r>
+              <a:rPr lang="en-US" sz="2400" kern="1200">
                 <a:solidFill>
                   <a:schemeClr val="bg1"/>
                 </a:solidFill>
@@ -9001,16 +12894,6 @@
                 <a:cs typeface="+mj-cs"/>
               </a:rPr>
               <a:t>Closing</a:t>
-            </a:r>
-            <a:r>
-              <a:rPr lang="en-US" sz="2400" dirty="0">
-                <a:solidFill>
-                  <a:schemeClr val="bg1"/>
-                </a:solidFill>
-                <a:ea typeface="+mj-ea"/>
-                <a:cs typeface="+mj-cs"/>
-              </a:rPr>
-              <a:t>?</a:t>
             </a:r>
             <a:endParaRPr lang="en-US" sz="2400" kern="1200" dirty="0">
               <a:solidFill>
@@ -9656,6 +13539,30 @@
 </file>
 
 <file path=ppt/tags/tag4.xml><?xml version="1.0" encoding="utf-8"?>
+<p:tagLst xmlns:a="http://schemas.openxmlformats.org/drawingml/2006/main" xmlns:r="http://schemas.openxmlformats.org/officeDocument/2006/relationships" xmlns:p="http://schemas.openxmlformats.org/presentationml/2006/main">
+  <p:tag name="DELIMITERS" val="3.1"/>
+</p:tagLst>
+</file>
+
+<file path=ppt/tags/tag5.xml><?xml version="1.0" encoding="utf-8"?>
+<p:tagLst xmlns:a="http://schemas.openxmlformats.org/drawingml/2006/main" xmlns:r="http://schemas.openxmlformats.org/officeDocument/2006/relationships" xmlns:p="http://schemas.openxmlformats.org/presentationml/2006/main">
+  <p:tag name="DELIMITERS" val="3.1"/>
+</p:tagLst>
+</file>
+
+<file path=ppt/tags/tag6.xml><?xml version="1.0" encoding="utf-8"?>
+<p:tagLst xmlns:a="http://schemas.openxmlformats.org/drawingml/2006/main" xmlns:r="http://schemas.openxmlformats.org/officeDocument/2006/relationships" xmlns:p="http://schemas.openxmlformats.org/presentationml/2006/main">
+  <p:tag name="DELIMITERS" val="3.1"/>
+</p:tagLst>
+</file>
+
+<file path=ppt/tags/tag7.xml><?xml version="1.0" encoding="utf-8"?>
+<p:tagLst xmlns:a="http://schemas.openxmlformats.org/drawingml/2006/main" xmlns:r="http://schemas.openxmlformats.org/officeDocument/2006/relationships" xmlns:p="http://schemas.openxmlformats.org/presentationml/2006/main">
+  <p:tag name="DELIMITERS" val="3.1"/>
+</p:tagLst>
+</file>
+
+<file path=ppt/tags/tag8.xml><?xml version="1.0" encoding="utf-8"?>
 <p:tagLst xmlns:a="http://schemas.openxmlformats.org/drawingml/2006/main" xmlns:r="http://schemas.openxmlformats.org/officeDocument/2006/relationships" xmlns:p="http://schemas.openxmlformats.org/presentationml/2006/main">
   <p:tag name="DELIMITERS" val="3.1"/>
 </p:tagLst>

--- a/Lecture/Lecture 7/Lecture 7.pptx
+++ b/Lecture/Lecture 7/Lecture 7.pptx
@@ -282,7 +282,7 @@
               <a:pPr>
                 <a:defRPr/>
               </a:pPr>
-              <a:t>9/5/2018</a:t>
+              <a:t>1/24/2019</a:t>
             </a:fld>
             <a:endParaRPr lang="en-US" dirty="0"/>
           </a:p>
@@ -494,7 +494,7 @@
               <a:pPr>
                 <a:defRPr/>
               </a:pPr>
-              <a:t>9/5/2018</a:t>
+              <a:t>1/24/2019</a:t>
             </a:fld>
             <a:endParaRPr lang="en-US" dirty="0"/>
           </a:p>
@@ -1013,7 +1013,7 @@
               <a:pPr>
                 <a:defRPr/>
               </a:pPr>
-              <a:t>9/5/2018</a:t>
+              <a:t>1/24/2019</a:t>
             </a:fld>
             <a:endParaRPr lang="en-US" dirty="0"/>
           </a:p>
@@ -1203,7 +1203,7 @@
               <a:pPr>
                 <a:defRPr/>
               </a:pPr>
-              <a:t>9/5/2018</a:t>
+              <a:t>1/24/2019</a:t>
             </a:fld>
             <a:endParaRPr lang="en-US" dirty="0"/>
           </a:p>
@@ -1403,7 +1403,7 @@
               <a:pPr>
                 <a:defRPr/>
               </a:pPr>
-              <a:t>9/5/2018</a:t>
+              <a:t>1/24/2019</a:t>
             </a:fld>
             <a:endParaRPr lang="en-US" dirty="0"/>
           </a:p>
@@ -1671,7 +1671,7 @@
               <a:pPr>
                 <a:defRPr/>
               </a:pPr>
-              <a:t>9/5/2018</a:t>
+              <a:t>1/24/2019</a:t>
             </a:fld>
             <a:endParaRPr lang="en-US" dirty="0">
               <a:solidFill>
@@ -1885,7 +1885,7 @@
               <a:pPr>
                 <a:defRPr/>
               </a:pPr>
-              <a:t>9/5/2018</a:t>
+              <a:t>1/24/2019</a:t>
             </a:fld>
             <a:endParaRPr lang="en-US" dirty="0">
               <a:solidFill>
@@ -2176,7 +2176,7 @@
               <a:pPr>
                 <a:defRPr/>
               </a:pPr>
-              <a:t>9/5/2018</a:t>
+              <a:t>1/24/2019</a:t>
             </a:fld>
             <a:endParaRPr lang="en-US" dirty="0">
               <a:solidFill>
@@ -2507,7 +2507,7 @@
               <a:pPr>
                 <a:defRPr/>
               </a:pPr>
-              <a:t>9/5/2018</a:t>
+              <a:t>1/24/2019</a:t>
             </a:fld>
             <a:endParaRPr lang="en-US" dirty="0">
               <a:solidFill>
@@ -2972,7 +2972,7 @@
               <a:pPr>
                 <a:defRPr/>
               </a:pPr>
-              <a:t>9/5/2018</a:t>
+              <a:t>1/24/2019</a:t>
             </a:fld>
             <a:endParaRPr lang="en-US" dirty="0">
               <a:solidFill>
@@ -3135,7 +3135,7 @@
               <a:pPr>
                 <a:defRPr/>
               </a:pPr>
-              <a:t>9/5/2018</a:t>
+              <a:t>1/24/2019</a:t>
             </a:fld>
             <a:endParaRPr lang="en-US" dirty="0">
               <a:solidFill>
@@ -3276,7 +3276,7 @@
               <a:pPr>
                 <a:defRPr/>
               </a:pPr>
-              <a:t>9/5/2018</a:t>
+              <a:t>1/24/2019</a:t>
             </a:fld>
             <a:endParaRPr lang="en-US" dirty="0">
               <a:solidFill>
@@ -3597,7 +3597,7 @@
               <a:pPr>
                 <a:defRPr/>
               </a:pPr>
-              <a:t>9/5/2018</a:t>
+              <a:t>1/24/2019</a:t>
             </a:fld>
             <a:endParaRPr lang="en-US" dirty="0">
               <a:solidFill>
@@ -3805,7 +3805,7 @@
               <a:pPr>
                 <a:defRPr/>
               </a:pPr>
-              <a:t>9/5/2018</a:t>
+              <a:t>1/24/2019</a:t>
             </a:fld>
             <a:endParaRPr lang="en-US" dirty="0"/>
           </a:p>
@@ -4088,7 +4088,7 @@
               <a:pPr>
                 <a:defRPr/>
               </a:pPr>
-              <a:t>9/5/2018</a:t>
+              <a:t>1/24/2019</a:t>
             </a:fld>
             <a:endParaRPr lang="en-US" dirty="0">
               <a:solidFill>
@@ -4302,7 +4302,7 @@
               <a:pPr>
                 <a:defRPr/>
               </a:pPr>
-              <a:t>9/5/2018</a:t>
+              <a:t>1/24/2019</a:t>
             </a:fld>
             <a:endParaRPr lang="en-US" dirty="0">
               <a:solidFill>
@@ -4526,7 +4526,7 @@
               <a:pPr>
                 <a:defRPr/>
               </a:pPr>
-              <a:t>9/5/2018</a:t>
+              <a:t>1/24/2019</a:t>
             </a:fld>
             <a:endParaRPr lang="en-US" dirty="0">
               <a:solidFill>
@@ -4736,7 +4736,7 @@
               <a:pPr>
                 <a:defRPr/>
               </a:pPr>
-              <a:t>9/5/2018</a:t>
+              <a:t>1/24/2019</a:t>
             </a:fld>
             <a:endParaRPr lang="en-US" dirty="0">
               <a:solidFill>
@@ -5013,7 +5013,7 @@
               <a:pPr>
                 <a:defRPr/>
               </a:pPr>
-              <a:t>9/5/2018</a:t>
+              <a:t>1/24/2019</a:t>
             </a:fld>
             <a:endParaRPr lang="en-US" dirty="0"/>
           </a:p>
@@ -5320,7 +5320,7 @@
               <a:pPr>
                 <a:defRPr/>
               </a:pPr>
-              <a:t>9/5/2018</a:t>
+              <a:t>1/24/2019</a:t>
             </a:fld>
             <a:endParaRPr lang="en-US" dirty="0"/>
           </a:p>
@@ -5761,7 +5761,7 @@
               <a:pPr>
                 <a:defRPr/>
               </a:pPr>
-              <a:t>9/5/2018</a:t>
+              <a:t>1/24/2019</a:t>
             </a:fld>
             <a:endParaRPr lang="en-US" dirty="0"/>
           </a:p>
@@ -5900,7 +5900,7 @@
               <a:pPr>
                 <a:defRPr/>
               </a:pPr>
-              <a:t>9/5/2018</a:t>
+              <a:t>1/24/2019</a:t>
             </a:fld>
             <a:endParaRPr lang="en-US" dirty="0"/>
           </a:p>
@@ -6017,7 +6017,7 @@
               <a:pPr>
                 <a:defRPr/>
               </a:pPr>
-              <a:t>9/5/2018</a:t>
+              <a:t>1/24/2019</a:t>
             </a:fld>
             <a:endParaRPr lang="en-US" dirty="0"/>
           </a:p>
@@ -6314,7 +6314,7 @@
               <a:pPr>
                 <a:defRPr/>
               </a:pPr>
-              <a:t>9/5/2018</a:t>
+              <a:t>1/24/2019</a:t>
             </a:fld>
             <a:endParaRPr lang="en-US" dirty="0"/>
           </a:p>
@@ -6591,7 +6591,7 @@
               <a:pPr>
                 <a:defRPr/>
               </a:pPr>
-              <a:t>9/5/2018</a:t>
+              <a:t>1/24/2019</a:t>
             </a:fld>
             <a:endParaRPr lang="en-US" dirty="0"/>
           </a:p>
@@ -6848,7 +6848,7 @@
               <a:pPr>
                 <a:defRPr/>
               </a:pPr>
-              <a:t>9/5/2018</a:t>
+              <a:t>1/24/2019</a:t>
             </a:fld>
             <a:endParaRPr lang="en-US" dirty="0"/>
           </a:p>
@@ -7558,7 +7558,7 @@
               <a:pPr>
                 <a:defRPr/>
               </a:pPr>
-              <a:t>9/5/2018</a:t>
+              <a:t>1/24/2019</a:t>
             </a:fld>
             <a:endParaRPr lang="en-US" dirty="0">
               <a:solidFill>
